--- a/Docker 101 - Nisum DevOps Meetup.pptx
+++ b/Docker 101 - Nisum DevOps Meetup.pptx
@@ -5,10 +5,10 @@
     <p:sldMasterId id="2147483660" r:id="rId1"/>
   </p:sldMasterIdLst>
   <p:notesMasterIdLst>
-    <p:notesMasterId r:id="rId20"/>
+    <p:notesMasterId r:id="rId22"/>
   </p:notesMasterIdLst>
   <p:handoutMasterIdLst>
-    <p:handoutMasterId r:id="rId21"/>
+    <p:handoutMasterId r:id="rId23"/>
   </p:handoutMasterIdLst>
   <p:sldIdLst>
     <p:sldId id="256" r:id="rId2"/>
@@ -17,18 +17,20 @@
     <p:sldId id="275" r:id="rId5"/>
     <p:sldId id="261" r:id="rId6"/>
     <p:sldId id="276" r:id="rId7"/>
-    <p:sldId id="277" r:id="rId8"/>
-    <p:sldId id="267" r:id="rId9"/>
-    <p:sldId id="265" r:id="rId10"/>
-    <p:sldId id="279" r:id="rId11"/>
-    <p:sldId id="268" r:id="rId12"/>
-    <p:sldId id="278" r:id="rId13"/>
-    <p:sldId id="281" r:id="rId14"/>
-    <p:sldId id="280" r:id="rId15"/>
-    <p:sldId id="269" r:id="rId16"/>
-    <p:sldId id="270" r:id="rId17"/>
-    <p:sldId id="271" r:id="rId18"/>
-    <p:sldId id="274" r:id="rId19"/>
+    <p:sldId id="282" r:id="rId8"/>
+    <p:sldId id="283" r:id="rId9"/>
+    <p:sldId id="277" r:id="rId10"/>
+    <p:sldId id="267" r:id="rId11"/>
+    <p:sldId id="265" r:id="rId12"/>
+    <p:sldId id="279" r:id="rId13"/>
+    <p:sldId id="268" r:id="rId14"/>
+    <p:sldId id="278" r:id="rId15"/>
+    <p:sldId id="281" r:id="rId16"/>
+    <p:sldId id="280" r:id="rId17"/>
+    <p:sldId id="269" r:id="rId18"/>
+    <p:sldId id="270" r:id="rId19"/>
+    <p:sldId id="271" r:id="rId20"/>
+    <p:sldId id="274" r:id="rId21"/>
   </p:sldIdLst>
   <p:sldSz cx="9144000" cy="6858000" type="screen4x3"/>
   <p:notesSz cx="6858000" cy="9144000"/>
@@ -212,7 +214,7 @@
           <a:p>
             <a:fld id="{D13F8F66-F604-7444-B698-3740E32E9051}" type="datetime1">
               <a:rPr lang="en-US" smtClean="0"/>
-              <a:t>3/13/15</a:t>
+              <a:t>3/16/15</a:t>
             </a:fld>
             <a:endParaRPr lang="en-US"/>
           </a:p>
@@ -378,7 +380,7 @@
           <a:p>
             <a:fld id="{FF263C0B-58AC-4649-8D78-A2A52F095A10}" type="datetime1">
               <a:rPr lang="en-US" smtClean="0"/>
-              <a:t>3/13/15</a:t>
+              <a:t>3/16/15</a:t>
             </a:fld>
             <a:endParaRPr lang="en-US"/>
           </a:p>
@@ -991,7 +993,7 @@
           <a:p>
             <a:fld id="{7ECC03ED-17E5-BE45-9642-1AD192804495}" type="datetime1">
               <a:rPr lang="en-US" smtClean="0"/>
-              <a:t>3/13/15</a:t>
+              <a:t>3/16/15</a:t>
             </a:fld>
             <a:endParaRPr lang="en-US"/>
           </a:p>
@@ -1187,7 +1189,7 @@
           <a:p>
             <a:fld id="{3017C66A-A5AA-7240-BBF4-EA780CA9153A}" type="datetime1">
               <a:rPr lang="en-US" smtClean="0"/>
-              <a:t>3/13/15</a:t>
+              <a:t>3/16/15</a:t>
             </a:fld>
             <a:endParaRPr lang="en-US"/>
           </a:p>
@@ -1460,7 +1462,7 @@
           <a:p>
             <a:fld id="{B1FB35D0-DA79-274A-9CC9-611004B4798C}" type="datetime1">
               <a:rPr lang="en-US" smtClean="0"/>
-              <a:t>3/13/15</a:t>
+              <a:t>3/16/15</a:t>
             </a:fld>
             <a:endParaRPr lang="en-US"/>
           </a:p>
@@ -1643,7 +1645,7 @@
           <a:p>
             <a:fld id="{4F055353-7EFE-C34D-AD41-3B2DB3B85700}" type="datetime1">
               <a:rPr lang="en-US" smtClean="0"/>
-              <a:t>3/13/15</a:t>
+              <a:t>3/16/15</a:t>
             </a:fld>
             <a:endParaRPr lang="en-US"/>
           </a:p>
@@ -1816,7 +1818,7 @@
           <a:p>
             <a:fld id="{AFCA81D7-14B4-3245-9CAB-C3AAD82828C7}" type="datetime1">
               <a:rPr lang="en-US" smtClean="0"/>
-              <a:t>3/13/15</a:t>
+              <a:t>3/16/15</a:t>
             </a:fld>
             <a:endParaRPr lang="en-US"/>
           </a:p>
@@ -2062,7 +2064,7 @@
           <a:p>
             <a:fld id="{486E7C22-15B7-3A45-A875-91EEB17932FD}" type="datetime1">
               <a:rPr lang="en-US" smtClean="0"/>
-              <a:t>3/13/15</a:t>
+              <a:t>3/16/15</a:t>
             </a:fld>
             <a:endParaRPr lang="en-US"/>
           </a:p>
@@ -2389,7 +2391,7 @@
           <a:p>
             <a:fld id="{00846D7A-1182-264B-8973-D2AE8576A088}" type="datetime1">
               <a:rPr lang="en-US" smtClean="0"/>
-              <a:t>3/13/15</a:t>
+              <a:t>3/16/15</a:t>
             </a:fld>
             <a:endParaRPr lang="en-US"/>
           </a:p>
@@ -2691,7 +2693,7 @@
           <a:p>
             <a:fld id="{D6FF66D4-5731-2441-B0CD-B1C18FBD9A35}" type="datetime1">
               <a:rPr lang="en-US" smtClean="0"/>
-              <a:t>3/13/15</a:t>
+              <a:t>3/16/15</a:t>
             </a:fld>
             <a:endParaRPr lang="en-US"/>
           </a:p>
@@ -3151,7 +3153,7 @@
           <a:p>
             <a:fld id="{58EB7BB5-E956-1340-952F-F74F36A4FDD8}" type="datetime1">
               <a:rPr lang="en-US" smtClean="0"/>
-              <a:t>3/13/15</a:t>
+              <a:t>3/16/15</a:t>
             </a:fld>
             <a:endParaRPr lang="en-US"/>
           </a:p>
@@ -3268,7 +3270,7 @@
           <a:p>
             <a:fld id="{EFCB72B4-6F4F-0146-B8A2-23B3066B627C}" type="datetime1">
               <a:rPr lang="en-US" smtClean="0"/>
-              <a:t>3/13/15</a:t>
+              <a:t>3/16/15</a:t>
             </a:fld>
             <a:endParaRPr lang="en-US"/>
           </a:p>
@@ -3362,7 +3364,7 @@
           <a:p>
             <a:fld id="{A69395E0-DD50-3D4B-A521-DF0ECE29B9B2}" type="datetime1">
               <a:rPr lang="en-US" smtClean="0"/>
-              <a:t>3/13/15</a:t>
+              <a:t>3/16/15</a:t>
             </a:fld>
             <a:endParaRPr lang="en-US"/>
           </a:p>
@@ -3648,7 +3650,7 @@
           <a:p>
             <a:fld id="{B4ABBB00-B480-C84E-A866-12DEA58290BE}" type="datetime1">
               <a:rPr lang="en-US" smtClean="0"/>
-              <a:t>3/13/15</a:t>
+              <a:t>3/16/15</a:t>
             </a:fld>
             <a:endParaRPr lang="en-US"/>
           </a:p>
@@ -3858,7 +3860,7 @@
           <a:p>
             <a:fld id="{5D3A4E38-0165-1945-A4E1-FA384EAB0FA7}" type="datetime1">
               <a:rPr lang="en-US" smtClean="0"/>
-              <a:t>3/13/15</a:t>
+              <a:t>3/16/15</a:t>
             </a:fld>
             <a:endParaRPr lang="en-US"/>
           </a:p>
@@ -4447,7 +4449,7 @@
           <a:p>
             <a:r>
               <a:rPr lang="en-US" dirty="0" smtClean="0"/>
-              <a:t>Docker Setup on Mac</a:t>
+              <a:t>Docker Setup on Linux</a:t>
             </a:r>
             <a:endParaRPr lang="en-US" dirty="0"/>
           </a:p>
@@ -4479,7 +4481,7 @@
     </p:spTree>
     <p:extLst>
       <p:ext uri="{BB962C8B-B14F-4D97-AF65-F5344CB8AC3E}">
-        <p14:creationId xmlns:p14="http://schemas.microsoft.com/office/powerpoint/2010/main" val="3008166323"/>
+        <p14:creationId xmlns:p14="http://schemas.microsoft.com/office/powerpoint/2010/main" val="1433434220"/>
       </p:ext>
     </p:extLst>
   </p:cSld>
@@ -4525,6 +4527,211 @@
         </p:nvSpPr>
         <p:spPr>
           <a:xfrm>
+            <a:off x="549275" y="277826"/>
+            <a:ext cx="8042276" cy="5665775"/>
+          </a:xfrm>
+        </p:spPr>
+        <p:txBody>
+          <a:bodyPr/>
+          <a:lstStyle/>
+          <a:p>
+            <a:pPr marL="0" indent="0">
+              <a:buNone/>
+            </a:pPr>
+            <a:endParaRPr lang="en-US" dirty="0"/>
+          </a:p>
+        </p:txBody>
+      </p:sp>
+      <p:sp>
+        <p:nvSpPr>
+          <p:cNvPr id="4" name="Footer Placeholder 3"/>
+          <p:cNvSpPr>
+            <a:spLocks noGrp="1"/>
+          </p:cNvSpPr>
+          <p:nvPr>
+            <p:ph type="ftr" sz="quarter" idx="11"/>
+          </p:nvPr>
+        </p:nvSpPr>
+        <p:spPr/>
+        <p:txBody>
+          <a:bodyPr/>
+          <a:lstStyle/>
+          <a:p>
+            <a:r>
+              <a:rPr lang="en-US" smtClean="0"/>
+              <a:t>DevOps Meetup 2 - Nisum Technologies</a:t>
+            </a:r>
+            <a:endParaRPr lang="en-US"/>
+          </a:p>
+        </p:txBody>
+      </p:sp>
+      <p:pic>
+        <p:nvPicPr>
+          <p:cNvPr id="5" name="Picture 4" descr="Screen Shot 2015-03-13 at 11.37.05 AM.png"/>
+          <p:cNvPicPr>
+            <a:picLocks noChangeAspect="1"/>
+          </p:cNvPicPr>
+          <p:nvPr/>
+        </p:nvPicPr>
+        <p:blipFill>
+          <a:blip r:embed="rId2">
+            <a:extLst>
+              <a:ext uri="{28A0092B-C50C-407E-A947-70E740481C1C}">
+                <a14:useLocalDpi xmlns:a14="http://schemas.microsoft.com/office/drawing/2010/main" val="0"/>
+              </a:ext>
+            </a:extLst>
+          </a:blip>
+          <a:stretch>
+            <a:fillRect/>
+          </a:stretch>
+        </p:blipFill>
+        <p:spPr>
+          <a:xfrm>
+            <a:off x="382352" y="277826"/>
+            <a:ext cx="8316140" cy="5821114"/>
+          </a:xfrm>
+          <a:prstGeom prst="rect">
+            <a:avLst/>
+          </a:prstGeom>
+        </p:spPr>
+      </p:pic>
+    </p:spTree>
+    <p:extLst>
+      <p:ext uri="{BB962C8B-B14F-4D97-AF65-F5344CB8AC3E}">
+        <p14:creationId xmlns:p14="http://schemas.microsoft.com/office/powerpoint/2010/main" val="679398100"/>
+      </p:ext>
+    </p:extLst>
+  </p:cSld>
+  <p:clrMapOvr>
+    <a:masterClrMapping/>
+  </p:clrMapOvr>
+  <p:timing>
+    <p:tnLst>
+      <p:par>
+        <p:cTn xmlns:p14="http://schemas.microsoft.com/office/powerpoint/2010/main" id="1" dur="indefinite" restart="never" nodeType="tmRoot"/>
+      </p:par>
+    </p:tnLst>
+  </p:timing>
+</p:sld>
+</file>
+
+<file path=ppt/slides/slide12.xml><?xml version="1.0" encoding="utf-8"?>
+<p:sld xmlns:a="http://schemas.openxmlformats.org/drawingml/2006/main" xmlns:r="http://schemas.openxmlformats.org/officeDocument/2006/relationships" xmlns:p="http://schemas.openxmlformats.org/presentationml/2006/main">
+  <p:cSld>
+    <p:spTree>
+      <p:nvGrpSpPr>
+        <p:cNvPr id="1" name=""/>
+        <p:cNvGrpSpPr/>
+        <p:nvPr/>
+      </p:nvGrpSpPr>
+      <p:grpSpPr>
+        <a:xfrm>
+          <a:off x="0" y="0"/>
+          <a:ext cx="0" cy="0"/>
+          <a:chOff x="0" y="0"/>
+          <a:chExt cx="0" cy="0"/>
+        </a:xfrm>
+      </p:grpSpPr>
+      <p:sp>
+        <p:nvSpPr>
+          <p:cNvPr id="2" name="Title 1"/>
+          <p:cNvSpPr>
+            <a:spLocks noGrp="1"/>
+          </p:cNvSpPr>
+          <p:nvPr>
+            <p:ph type="title"/>
+          </p:nvPr>
+        </p:nvSpPr>
+        <p:spPr>
+          <a:xfrm>
+            <a:off x="549275" y="2409580"/>
+            <a:ext cx="8042276" cy="1336956"/>
+          </a:xfrm>
+        </p:spPr>
+        <p:txBody>
+          <a:bodyPr/>
+          <a:lstStyle/>
+          <a:p>
+            <a:r>
+              <a:rPr lang="en-US" dirty="0" smtClean="0"/>
+              <a:t>Docker Setup on Mac</a:t>
+            </a:r>
+            <a:endParaRPr lang="en-US" dirty="0"/>
+          </a:p>
+        </p:txBody>
+      </p:sp>
+      <p:sp>
+        <p:nvSpPr>
+          <p:cNvPr id="4" name="Footer Placeholder 3"/>
+          <p:cNvSpPr>
+            <a:spLocks noGrp="1"/>
+          </p:cNvSpPr>
+          <p:nvPr>
+            <p:ph type="ftr" sz="quarter" idx="11"/>
+          </p:nvPr>
+        </p:nvSpPr>
+        <p:spPr/>
+        <p:txBody>
+          <a:bodyPr/>
+          <a:lstStyle/>
+          <a:p>
+            <a:r>
+              <a:rPr lang="en-US" smtClean="0"/>
+              <a:t>DevOps Meetup 2 - Nisum Technologies</a:t>
+            </a:r>
+            <a:endParaRPr lang="en-US"/>
+          </a:p>
+        </p:txBody>
+      </p:sp>
+    </p:spTree>
+    <p:extLst>
+      <p:ext uri="{BB962C8B-B14F-4D97-AF65-F5344CB8AC3E}">
+        <p14:creationId xmlns:p14="http://schemas.microsoft.com/office/powerpoint/2010/main" val="3008166323"/>
+      </p:ext>
+    </p:extLst>
+  </p:cSld>
+  <p:clrMapOvr>
+    <a:masterClrMapping/>
+  </p:clrMapOvr>
+  <p:timing>
+    <p:tnLst>
+      <p:par>
+        <p:cTn xmlns:p14="http://schemas.microsoft.com/office/powerpoint/2010/main" id="1" dur="indefinite" restart="never" nodeType="tmRoot"/>
+      </p:par>
+    </p:tnLst>
+  </p:timing>
+</p:sld>
+</file>
+
+<file path=ppt/slides/slide13.xml><?xml version="1.0" encoding="utf-8"?>
+<p:sld xmlns:a="http://schemas.openxmlformats.org/drawingml/2006/main" xmlns:r="http://schemas.openxmlformats.org/officeDocument/2006/relationships" xmlns:p="http://schemas.openxmlformats.org/presentationml/2006/main">
+  <p:cSld>
+    <p:spTree>
+      <p:nvGrpSpPr>
+        <p:cNvPr id="1" name=""/>
+        <p:cNvGrpSpPr/>
+        <p:nvPr/>
+      </p:nvGrpSpPr>
+      <p:grpSpPr>
+        <a:xfrm>
+          <a:off x="0" y="0"/>
+          <a:ext cx="0" cy="0"/>
+          <a:chOff x="0" y="0"/>
+          <a:chExt cx="0" cy="0"/>
+        </a:xfrm>
+      </p:grpSpPr>
+      <p:sp>
+        <p:nvSpPr>
+          <p:cNvPr id="3" name="Content Placeholder 2"/>
+          <p:cNvSpPr>
+            <a:spLocks noGrp="1"/>
+          </p:cNvSpPr>
+          <p:nvPr>
+            <p:ph idx="1"/>
+          </p:nvPr>
+        </p:nvSpPr>
+        <p:spPr>
+          <a:xfrm>
             <a:off x="549275" y="330745"/>
             <a:ext cx="8042276" cy="5612856"/>
           </a:xfrm>
@@ -4662,7 +4869,7 @@
 </p:sld>
 </file>
 
-<file path=ppt/slides/slide12.xml><?xml version="1.0" encoding="utf-8"?>
+<file path=ppt/slides/slide14.xml><?xml version="1.0" encoding="utf-8"?>
 <p:sld xmlns:a="http://schemas.openxmlformats.org/drawingml/2006/main" xmlns:r="http://schemas.openxmlformats.org/officeDocument/2006/relationships" xmlns:p="http://schemas.openxmlformats.org/presentationml/2006/main">
   <p:cSld>
     <p:spTree>
@@ -4752,243 +4959,6 @@
 </p:sld>
 </file>
 
-<file path=ppt/slides/slide13.xml><?xml version="1.0" encoding="utf-8"?>
-<p:sld xmlns:a="http://schemas.openxmlformats.org/drawingml/2006/main" xmlns:r="http://schemas.openxmlformats.org/officeDocument/2006/relationships" xmlns:p="http://schemas.openxmlformats.org/presentationml/2006/main">
-  <p:cSld>
-    <p:spTree>
-      <p:nvGrpSpPr>
-        <p:cNvPr id="1" name=""/>
-        <p:cNvGrpSpPr/>
-        <p:nvPr/>
-      </p:nvGrpSpPr>
-      <p:grpSpPr>
-        <a:xfrm>
-          <a:off x="0" y="0"/>
-          <a:ext cx="0" cy="0"/>
-          <a:chOff x="0" y="0"/>
-          <a:chExt cx="0" cy="0"/>
-        </a:xfrm>
-      </p:grpSpPr>
-      <p:sp>
-        <p:nvSpPr>
-          <p:cNvPr id="2" name="Title 1"/>
-          <p:cNvSpPr>
-            <a:spLocks noGrp="1"/>
-          </p:cNvSpPr>
-          <p:nvPr>
-            <p:ph type="title"/>
-          </p:nvPr>
-        </p:nvSpPr>
-        <p:spPr>
-          <a:xfrm>
-            <a:off x="672174" y="2660978"/>
-            <a:ext cx="8042276" cy="1336956"/>
-          </a:xfrm>
-        </p:spPr>
-        <p:txBody>
-          <a:bodyPr/>
-          <a:lstStyle/>
-          <a:p>
-            <a:r>
-              <a:rPr lang="en-US" dirty="0" smtClean="0"/>
-              <a:t>Building Docker Image and running Docker Container - Demo</a:t>
-            </a:r>
-            <a:endParaRPr lang="en-US" dirty="0"/>
-          </a:p>
-        </p:txBody>
-      </p:sp>
-      <p:sp>
-        <p:nvSpPr>
-          <p:cNvPr id="4" name="Footer Placeholder 3"/>
-          <p:cNvSpPr>
-            <a:spLocks noGrp="1"/>
-          </p:cNvSpPr>
-          <p:nvPr>
-            <p:ph type="ftr" sz="quarter" idx="11"/>
-          </p:nvPr>
-        </p:nvSpPr>
-        <p:spPr/>
-        <p:txBody>
-          <a:bodyPr/>
-          <a:lstStyle/>
-          <a:p>
-            <a:r>
-              <a:rPr lang="en-US" smtClean="0"/>
-              <a:t>DevOps Meetup 2 - Nisum Technologies</a:t>
-            </a:r>
-            <a:endParaRPr lang="en-US"/>
-          </a:p>
-        </p:txBody>
-      </p:sp>
-    </p:spTree>
-    <p:extLst>
-      <p:ext uri="{BB962C8B-B14F-4D97-AF65-F5344CB8AC3E}">
-        <p14:creationId xmlns:p14="http://schemas.microsoft.com/office/powerpoint/2010/main" val="4089088814"/>
-      </p:ext>
-    </p:extLst>
-  </p:cSld>
-  <p:clrMapOvr>
-    <a:masterClrMapping/>
-  </p:clrMapOvr>
-  <p:timing>
-    <p:tnLst>
-      <p:par>
-        <p:cTn xmlns:p14="http://schemas.microsoft.com/office/powerpoint/2010/main" id="1" dur="indefinite" restart="never" nodeType="tmRoot"/>
-      </p:par>
-    </p:tnLst>
-  </p:timing>
-</p:sld>
-</file>
-
-<file path=ppt/slides/slide14.xml><?xml version="1.0" encoding="utf-8"?>
-<p:sld xmlns:a="http://schemas.openxmlformats.org/drawingml/2006/main" xmlns:r="http://schemas.openxmlformats.org/officeDocument/2006/relationships" xmlns:p="http://schemas.openxmlformats.org/presentationml/2006/main">
-  <p:cSld>
-    <p:spTree>
-      <p:nvGrpSpPr>
-        <p:cNvPr id="1" name=""/>
-        <p:cNvGrpSpPr/>
-        <p:nvPr/>
-      </p:nvGrpSpPr>
-      <p:grpSpPr>
-        <a:xfrm>
-          <a:off x="0" y="0"/>
-          <a:ext cx="0" cy="0"/>
-          <a:chOff x="0" y="0"/>
-          <a:chExt cx="0" cy="0"/>
-        </a:xfrm>
-      </p:grpSpPr>
-      <p:sp>
-        <p:nvSpPr>
-          <p:cNvPr id="2" name="Title 1"/>
-          <p:cNvSpPr>
-            <a:spLocks noGrp="1"/>
-          </p:cNvSpPr>
-          <p:nvPr>
-            <p:ph type="title"/>
-          </p:nvPr>
-        </p:nvSpPr>
-        <p:spPr/>
-        <p:txBody>
-          <a:bodyPr/>
-          <a:lstStyle/>
-          <a:p>
-            <a:r>
-              <a:rPr lang="en-US" dirty="0" smtClean="0"/>
-              <a:t>Demo</a:t>
-            </a:r>
-            <a:endParaRPr lang="en-US" dirty="0"/>
-          </a:p>
-        </p:txBody>
-      </p:sp>
-      <p:sp>
-        <p:nvSpPr>
-          <p:cNvPr id="3" name="Content Placeholder 2"/>
-          <p:cNvSpPr>
-            <a:spLocks noGrp="1"/>
-          </p:cNvSpPr>
-          <p:nvPr>
-            <p:ph idx="1"/>
-          </p:nvPr>
-        </p:nvSpPr>
-        <p:spPr/>
-        <p:txBody>
-          <a:bodyPr/>
-          <a:lstStyle/>
-          <a:p>
-            <a:r>
-              <a:rPr lang="en-US" dirty="0" smtClean="0"/>
-              <a:t>Building a Docker image that has Apache Web Server on it</a:t>
-            </a:r>
-          </a:p>
-          <a:p>
-            <a:pPr lvl="1"/>
-            <a:r>
-              <a:rPr lang="en-US" dirty="0" smtClean="0"/>
-              <a:t>Using Dockerfile</a:t>
-            </a:r>
-          </a:p>
-          <a:p>
-            <a:r>
-              <a:rPr lang="en-US" dirty="0" smtClean="0"/>
-              <a:t>Running the Docker container based on above image </a:t>
-            </a:r>
-          </a:p>
-          <a:p>
-            <a:pPr marL="0" indent="0">
-              <a:buNone/>
-            </a:pPr>
-            <a:endParaRPr lang="en-US" dirty="0"/>
-          </a:p>
-          <a:p>
-            <a:pPr marL="0" indent="0">
-              <a:buNone/>
-            </a:pPr>
-            <a:r>
-              <a:rPr lang="en-US" b="1" dirty="0" smtClean="0"/>
-              <a:t>PS:</a:t>
-            </a:r>
-            <a:r>
-              <a:rPr lang="en-US" dirty="0" smtClean="0"/>
-              <a:t> Code demonstrated here can </a:t>
-            </a:r>
-            <a:r>
-              <a:rPr lang="en-US" dirty="0"/>
-              <a:t>be found at GIT-Hub - https://</a:t>
-            </a:r>
-            <a:r>
-              <a:rPr lang="en-US" dirty="0" err="1"/>
-              <a:t>github.com</a:t>
-            </a:r>
-            <a:r>
-              <a:rPr lang="en-US" dirty="0"/>
-              <a:t>/zakeeruddin21/Docker-101</a:t>
-            </a:r>
-          </a:p>
-        </p:txBody>
-      </p:sp>
-      <p:sp>
-        <p:nvSpPr>
-          <p:cNvPr id="4" name="Footer Placeholder 3"/>
-          <p:cNvSpPr>
-            <a:spLocks noGrp="1"/>
-          </p:cNvSpPr>
-          <p:nvPr>
-            <p:ph type="ftr" sz="quarter" idx="11"/>
-          </p:nvPr>
-        </p:nvSpPr>
-        <p:spPr/>
-        <p:txBody>
-          <a:bodyPr/>
-          <a:lstStyle/>
-          <a:p>
-            <a:r>
-              <a:rPr lang="en-US" smtClean="0"/>
-              <a:t>DevOps Meetup 2 - Nisum Technologies</a:t>
-            </a:r>
-            <a:endParaRPr lang="en-US"/>
-          </a:p>
-        </p:txBody>
-      </p:sp>
-    </p:spTree>
-    <p:extLst>
-      <p:ext uri="{BB962C8B-B14F-4D97-AF65-F5344CB8AC3E}">
-        <p14:creationId xmlns:p14="http://schemas.microsoft.com/office/powerpoint/2010/main" val="3441222455"/>
-      </p:ext>
-    </p:extLst>
-  </p:cSld>
-  <p:clrMapOvr>
-    <a:masterClrMapping/>
-  </p:clrMapOvr>
-  <p:timing>
-    <p:tnLst>
-      <p:par>
-        <p:cTn xmlns:p14="http://schemas.microsoft.com/office/powerpoint/2010/main" id="1" dur="indefinite" restart="never" nodeType="tmRoot"/>
-      </p:par>
-    </p:tnLst>
-  </p:timing>
-</p:sld>
-</file>
-
 <file path=ppt/slides/slide15.xml><?xml version="1.0" encoding="utf-8"?>
 <p:sld xmlns:a="http://schemas.openxmlformats.org/drawingml/2006/main" xmlns:r="http://schemas.openxmlformats.org/officeDocument/2006/relationships" xmlns:p="http://schemas.openxmlformats.org/presentationml/2006/main">
   <p:cSld>
@@ -5018,7 +4988,7 @@
         </p:nvSpPr>
         <p:spPr>
           <a:xfrm>
-            <a:off x="549275" y="2727078"/>
+            <a:off x="672174" y="2660978"/>
             <a:ext cx="8042276" cy="1336956"/>
           </a:xfrm>
         </p:spPr>
@@ -5028,7 +4998,7 @@
           <a:p>
             <a:r>
               <a:rPr lang="en-US" dirty="0" smtClean="0"/>
-              <a:t>Few useful Docker Commands</a:t>
+              <a:t>Building Docker Image and running Docker Container - Demo</a:t>
             </a:r>
             <a:endParaRPr lang="en-US" dirty="0"/>
           </a:p>
@@ -5060,7 +5030,7 @@
     </p:spTree>
     <p:extLst>
       <p:ext uri="{BB962C8B-B14F-4D97-AF65-F5344CB8AC3E}">
-        <p14:creationId xmlns:p14="http://schemas.microsoft.com/office/powerpoint/2010/main" val="4133685971"/>
+        <p14:creationId xmlns:p14="http://schemas.microsoft.com/office/powerpoint/2010/main" val="4089088814"/>
       </p:ext>
     </p:extLst>
   </p:cSld>
@@ -5096,6 +5066,29 @@
       </p:grpSpPr>
       <p:sp>
         <p:nvSpPr>
+          <p:cNvPr id="2" name="Title 1"/>
+          <p:cNvSpPr>
+            <a:spLocks noGrp="1"/>
+          </p:cNvSpPr>
+          <p:nvPr>
+            <p:ph type="title"/>
+          </p:nvPr>
+        </p:nvSpPr>
+        <p:spPr/>
+        <p:txBody>
+          <a:bodyPr/>
+          <a:lstStyle/>
+          <a:p>
+            <a:r>
+              <a:rPr lang="en-US" dirty="0" smtClean="0"/>
+              <a:t>Demo</a:t>
+            </a:r>
+            <a:endParaRPr lang="en-US" dirty="0"/>
+          </a:p>
+        </p:txBody>
+      </p:sp>
+      <p:sp>
+        <p:nvSpPr>
           <p:cNvPr id="3" name="Content Placeholder 2"/>
           <p:cNvSpPr>
             <a:spLocks noGrp="1"/>
@@ -5104,159 +5097,58 @@
             <p:ph idx="1"/>
           </p:nvPr>
         </p:nvSpPr>
-        <p:spPr>
-          <a:xfrm>
-            <a:off x="549275" y="291056"/>
-            <a:ext cx="8042276" cy="5652545"/>
-          </a:xfrm>
-        </p:spPr>
-        <p:txBody>
-          <a:bodyPr/>
-          <a:lstStyle/>
-          <a:p>
-            <a:r>
-              <a:rPr lang="en-US" dirty="0" smtClean="0"/>
-              <a:t>We need images to build our containers</a:t>
+        <p:spPr/>
+        <p:txBody>
+          <a:bodyPr/>
+          <a:lstStyle/>
+          <a:p>
+            <a:r>
+              <a:rPr lang="en-US" dirty="0" smtClean="0"/>
+              <a:t>Building a Docker image that has Apache Web Server on it</a:t>
             </a:r>
           </a:p>
           <a:p>
             <a:pPr lvl="1"/>
             <a:r>
               <a:rPr lang="en-US" dirty="0" smtClean="0"/>
-              <a:t>$ </a:t>
-            </a:r>
-            <a:r>
-              <a:rPr lang="en-US" dirty="0" err="1" smtClean="0"/>
-              <a:t>docker</a:t>
-            </a:r>
-            <a:r>
-              <a:rPr lang="en-US" dirty="0" smtClean="0"/>
-              <a:t> pull ubuntu:14.04</a:t>
-            </a:r>
-          </a:p>
-          <a:p>
-            <a:pPr marL="355600" indent="-342900"/>
-            <a:r>
-              <a:rPr lang="en-US" dirty="0" smtClean="0"/>
-              <a:t>Get the details of images downloaded</a:t>
-            </a:r>
-          </a:p>
-          <a:p>
-            <a:pPr marL="692150" lvl="1" indent="-342900"/>
-            <a:r>
-              <a:rPr lang="en-US" dirty="0" smtClean="0"/>
-              <a:t>$ </a:t>
-            </a:r>
-            <a:r>
-              <a:rPr lang="en-US" dirty="0" err="1" smtClean="0"/>
-              <a:t>docker</a:t>
-            </a:r>
-            <a:r>
-              <a:rPr lang="en-US" dirty="0" smtClean="0"/>
-              <a:t> images</a:t>
-            </a:r>
-          </a:p>
-          <a:p>
-            <a:pPr marL="355600" indent="-342900"/>
-            <a:r>
-              <a:rPr lang="en-US" dirty="0" smtClean="0"/>
-              <a:t>Create an </a:t>
-            </a:r>
-            <a:r>
-              <a:rPr lang="en-US" dirty="0" err="1" smtClean="0"/>
-              <a:t>ubuntu</a:t>
-            </a:r>
-            <a:r>
-              <a:rPr lang="en-US" dirty="0" smtClean="0"/>
-              <a:t> container</a:t>
-            </a:r>
-          </a:p>
-          <a:p>
-            <a:pPr marL="692150" lvl="1" indent="-342900"/>
-            <a:r>
-              <a:rPr lang="en-US" dirty="0" smtClean="0"/>
-              <a:t>$ </a:t>
-            </a:r>
-            <a:r>
-              <a:rPr lang="en-US" dirty="0" err="1" smtClean="0"/>
-              <a:t>docker</a:t>
-            </a:r>
-            <a:r>
-              <a:rPr lang="en-US" dirty="0" smtClean="0"/>
-              <a:t> run –</a:t>
-            </a:r>
-            <a:r>
-              <a:rPr lang="en-US" dirty="0" err="1" smtClean="0"/>
-              <a:t>i</a:t>
-            </a:r>
-            <a:r>
-              <a:rPr lang="en-US" dirty="0" smtClean="0"/>
-              <a:t> –t </a:t>
-            </a:r>
-            <a:r>
-              <a:rPr lang="en-US" dirty="0" err="1" smtClean="0"/>
-              <a:t>ubunut:latest</a:t>
-            </a:r>
-            <a:r>
-              <a:rPr lang="en-US" dirty="0" smtClean="0"/>
-              <a:t> /bin/bash</a:t>
-            </a:r>
-          </a:p>
-          <a:p>
-            <a:pPr marL="355600" indent="-342900"/>
-            <a:r>
-              <a:rPr lang="en-US" dirty="0" smtClean="0"/>
-              <a:t>To see the running containers </a:t>
-            </a:r>
-          </a:p>
-          <a:p>
-            <a:pPr marL="692150" lvl="1" indent="-342900"/>
-            <a:r>
-              <a:rPr lang="en-US" dirty="0" smtClean="0"/>
-              <a:t>$ </a:t>
-            </a:r>
-            <a:r>
-              <a:rPr lang="en-US" dirty="0" err="1" smtClean="0"/>
-              <a:t>docker</a:t>
-            </a:r>
-            <a:r>
-              <a:rPr lang="en-US" dirty="0" smtClean="0"/>
-              <a:t> </a:t>
-            </a:r>
-            <a:r>
-              <a:rPr lang="en-US" dirty="0" err="1" smtClean="0"/>
-              <a:t>ps</a:t>
-            </a:r>
+              <a:t>Using Dockerfile</a:t>
+            </a:r>
+          </a:p>
+          <a:p>
+            <a:r>
+              <a:rPr lang="en-US" dirty="0" smtClean="0"/>
+              <a:t>Running the Docker container based on above image </a:t>
+            </a:r>
+          </a:p>
+          <a:p>
+            <a:pPr marL="0" indent="0">
+              <a:buNone/>
+            </a:pPr>
             <a:endParaRPr lang="en-US" dirty="0"/>
           </a:p>
           <a:p>
-            <a:pPr marL="355600" indent="-342900"/>
-            <a:r>
-              <a:rPr lang="en-US" dirty="0" smtClean="0"/>
-              <a:t>To fetch all containers (running and stopped)</a:t>
-            </a:r>
-          </a:p>
-          <a:p>
-            <a:pPr marL="692150" lvl="1" indent="-342900"/>
-            <a:r>
-              <a:rPr lang="en-US" dirty="0" smtClean="0"/>
-              <a:t>$ </a:t>
-            </a:r>
-            <a:r>
-              <a:rPr lang="en-US" dirty="0" err="1" smtClean="0"/>
-              <a:t>docker</a:t>
-            </a:r>
-            <a:r>
-              <a:rPr lang="en-US" dirty="0" smtClean="0"/>
-              <a:t> </a:t>
-            </a:r>
-            <a:r>
-              <a:rPr lang="en-US" dirty="0" err="1" smtClean="0"/>
-              <a:t>ps</a:t>
-            </a:r>
-            <a:r>
-              <a:rPr lang="en-US" dirty="0" smtClean="0"/>
-              <a:t> -a</a:t>
+            <a:pPr marL="0" indent="0">
+              <a:buNone/>
+            </a:pPr>
+            <a:r>
+              <a:rPr lang="en-US" b="1" dirty="0" smtClean="0"/>
+              <a:t>PS:</a:t>
+            </a:r>
+            <a:r>
+              <a:rPr lang="en-US" dirty="0" smtClean="0"/>
+              <a:t> Code demonstrated here can </a:t>
+            </a:r>
+            <a:r>
+              <a:rPr lang="en-US" dirty="0"/>
+              <a:t>be found at GIT-Hub - https://</a:t>
+            </a:r>
+            <a:r>
+              <a:rPr lang="en-US" dirty="0" err="1"/>
+              <a:t>github.com</a:t>
+            </a:r>
+            <a:r>
+              <a:rPr lang="en-US" dirty="0"/>
+              <a:t>/zakeeruddin21/Docker-101</a:t>
             </a:r>
           </a:p>
         </p:txBody>
@@ -5287,7 +5179,7 @@
     </p:spTree>
     <p:extLst>
       <p:ext uri="{BB962C8B-B14F-4D97-AF65-F5344CB8AC3E}">
-        <p14:creationId xmlns:p14="http://schemas.microsoft.com/office/powerpoint/2010/main" val="2631526465"/>
+        <p14:creationId xmlns:p14="http://schemas.microsoft.com/office/powerpoint/2010/main" val="3441222455"/>
       </p:ext>
     </p:extLst>
   </p:cSld>
@@ -5323,18 +5215,18 @@
       </p:grpSpPr>
       <p:sp>
         <p:nvSpPr>
-          <p:cNvPr id="3" name="Content Placeholder 2"/>
-          <p:cNvSpPr>
-            <a:spLocks noGrp="1"/>
-          </p:cNvSpPr>
-          <p:nvPr>
-            <p:ph idx="1"/>
+          <p:cNvPr id="2" name="Title 1"/>
+          <p:cNvSpPr>
+            <a:spLocks noGrp="1"/>
+          </p:cNvSpPr>
+          <p:nvPr>
+            <p:ph type="title"/>
           </p:nvPr>
         </p:nvSpPr>
         <p:spPr>
           <a:xfrm>
-            <a:off x="549275" y="224907"/>
-            <a:ext cx="8042276" cy="5718694"/>
+            <a:off x="549275" y="2727078"/>
+            <a:ext cx="8042276" cy="1336956"/>
           </a:xfrm>
         </p:spPr>
         <p:txBody>
@@ -5343,93 +5235,7 @@
           <a:p>
             <a:r>
               <a:rPr lang="en-US" dirty="0" smtClean="0"/>
-              <a:t>To stop the running container</a:t>
-            </a:r>
-          </a:p>
-          <a:p>
-            <a:pPr lvl="1"/>
-            <a:r>
-              <a:rPr lang="en-US" dirty="0" smtClean="0"/>
-              <a:t>$ </a:t>
-            </a:r>
-            <a:r>
-              <a:rPr lang="en-US" dirty="0" err="1" smtClean="0"/>
-              <a:t>docker</a:t>
-            </a:r>
-            <a:r>
-              <a:rPr lang="en-US" dirty="0" smtClean="0"/>
-              <a:t> stop &lt;</a:t>
-            </a:r>
-            <a:r>
-              <a:rPr lang="en-US" dirty="0" err="1" smtClean="0"/>
-              <a:t>container_id</a:t>
-            </a:r>
-            <a:r>
-              <a:rPr lang="en-US" dirty="0" smtClean="0"/>
-              <a:t>/name&gt;</a:t>
-            </a:r>
-          </a:p>
-          <a:p>
-            <a:r>
-              <a:rPr lang="en-US" dirty="0" smtClean="0"/>
-              <a:t>To start the running container</a:t>
-            </a:r>
-          </a:p>
-          <a:p>
-            <a:pPr lvl="1"/>
-            <a:r>
-              <a:rPr lang="en-US" dirty="0" smtClean="0"/>
-              <a:t>$ </a:t>
-            </a:r>
-            <a:r>
-              <a:rPr lang="en-US" dirty="0" err="1" smtClean="0"/>
-              <a:t>docker</a:t>
-            </a:r>
-            <a:r>
-              <a:rPr lang="en-US" dirty="0" smtClean="0"/>
-              <a:t> restart &lt;container-id/name&gt;</a:t>
-            </a:r>
-          </a:p>
-          <a:p>
-            <a:r>
-              <a:rPr lang="en-US" dirty="0" smtClean="0"/>
-              <a:t>If the container was originally launched with interactive option then do the following also</a:t>
-            </a:r>
-          </a:p>
-          <a:p>
-            <a:pPr lvl="1"/>
-            <a:r>
-              <a:rPr lang="en-US" dirty="0" smtClean="0"/>
-              <a:t>$ </a:t>
-            </a:r>
-            <a:r>
-              <a:rPr lang="en-US" dirty="0" err="1" smtClean="0"/>
-              <a:t>docker</a:t>
-            </a:r>
-            <a:r>
-              <a:rPr lang="en-US" dirty="0" smtClean="0"/>
-              <a:t> attach &lt;container-id&gt;</a:t>
-            </a:r>
-          </a:p>
-          <a:p>
-            <a:pPr marL="349250" lvl="1" indent="0">
-              <a:buNone/>
-            </a:pPr>
-            <a:endParaRPr lang="en-US" dirty="0" smtClean="0"/>
-          </a:p>
-          <a:p>
-            <a:pPr marL="12700" indent="0">
-              <a:buNone/>
-            </a:pPr>
-            <a:r>
-              <a:rPr lang="en-US" dirty="0" smtClean="0"/>
-              <a:t>There are many more commands that can be found at </a:t>
-            </a:r>
-            <a:r>
-              <a:rPr lang="en-US" dirty="0" smtClean="0">
-                <a:hlinkClick r:id="rId2"/>
-              </a:rPr>
-              <a:t>link:Docker-commands</a:t>
+              <a:t>Few useful Docker Commands</a:t>
             </a:r>
             <a:endParaRPr lang="en-US" dirty="0"/>
           </a:p>
@@ -5461,7 +5267,7 @@
     </p:spTree>
     <p:extLst>
       <p:ext uri="{BB962C8B-B14F-4D97-AF65-F5344CB8AC3E}">
-        <p14:creationId xmlns:p14="http://schemas.microsoft.com/office/powerpoint/2010/main" val="923017943"/>
+        <p14:creationId xmlns:p14="http://schemas.microsoft.com/office/powerpoint/2010/main" val="4133685971"/>
       </p:ext>
     </p:extLst>
   </p:cSld>
@@ -5497,12 +5303,179 @@
       </p:grpSpPr>
       <p:sp>
         <p:nvSpPr>
-          <p:cNvPr id="2" name="Title 1"/>
-          <p:cNvSpPr>
-            <a:spLocks noGrp="1"/>
-          </p:cNvSpPr>
-          <p:nvPr>
-            <p:ph type="title"/>
+          <p:cNvPr id="3" name="Content Placeholder 2"/>
+          <p:cNvSpPr>
+            <a:spLocks noGrp="1"/>
+          </p:cNvSpPr>
+          <p:nvPr>
+            <p:ph idx="1"/>
+          </p:nvPr>
+        </p:nvSpPr>
+        <p:spPr>
+          <a:xfrm>
+            <a:off x="549275" y="291056"/>
+            <a:ext cx="8042276" cy="5652545"/>
+          </a:xfrm>
+        </p:spPr>
+        <p:txBody>
+          <a:bodyPr/>
+          <a:lstStyle/>
+          <a:p>
+            <a:r>
+              <a:rPr lang="en-US" dirty="0" smtClean="0"/>
+              <a:t>We need images to build our containers</a:t>
+            </a:r>
+          </a:p>
+          <a:p>
+            <a:pPr lvl="1"/>
+            <a:r>
+              <a:rPr lang="en-US" dirty="0" smtClean="0"/>
+              <a:t>$ </a:t>
+            </a:r>
+            <a:r>
+              <a:rPr lang="en-US" dirty="0" err="1" smtClean="0"/>
+              <a:t>docker</a:t>
+            </a:r>
+            <a:r>
+              <a:rPr lang="en-US" dirty="0" smtClean="0"/>
+              <a:t> pull ubuntu:14.04</a:t>
+            </a:r>
+          </a:p>
+          <a:p>
+            <a:pPr marL="355600" indent="-342900"/>
+            <a:r>
+              <a:rPr lang="en-US" dirty="0" smtClean="0"/>
+              <a:t>Get the details of images downloaded</a:t>
+            </a:r>
+          </a:p>
+          <a:p>
+            <a:pPr marL="692150" lvl="1" indent="-342900"/>
+            <a:r>
+              <a:rPr lang="en-US" dirty="0" smtClean="0"/>
+              <a:t>$ </a:t>
+            </a:r>
+            <a:r>
+              <a:rPr lang="en-US" dirty="0" err="1" smtClean="0"/>
+              <a:t>docker</a:t>
+            </a:r>
+            <a:r>
+              <a:rPr lang="en-US" dirty="0" smtClean="0"/>
+              <a:t> images</a:t>
+            </a:r>
+          </a:p>
+          <a:p>
+            <a:pPr marL="355600" indent="-342900"/>
+            <a:r>
+              <a:rPr lang="en-US" dirty="0" smtClean="0"/>
+              <a:t>Create an </a:t>
+            </a:r>
+            <a:r>
+              <a:rPr lang="en-US" dirty="0" err="1" smtClean="0"/>
+              <a:t>ubuntu</a:t>
+            </a:r>
+            <a:r>
+              <a:rPr lang="en-US" dirty="0" smtClean="0"/>
+              <a:t> container</a:t>
+            </a:r>
+          </a:p>
+          <a:p>
+            <a:pPr marL="692150" lvl="1" indent="-342900"/>
+            <a:r>
+              <a:rPr lang="en-US" dirty="0" smtClean="0"/>
+              <a:t>$ </a:t>
+            </a:r>
+            <a:r>
+              <a:rPr lang="en-US" dirty="0" err="1" smtClean="0"/>
+              <a:t>docker</a:t>
+            </a:r>
+            <a:r>
+              <a:rPr lang="en-US" dirty="0" smtClean="0"/>
+              <a:t> run –</a:t>
+            </a:r>
+            <a:r>
+              <a:rPr lang="en-US" dirty="0" err="1" smtClean="0"/>
+              <a:t>i</a:t>
+            </a:r>
+            <a:r>
+              <a:rPr lang="en-US" dirty="0" smtClean="0"/>
+              <a:t> –t </a:t>
+            </a:r>
+            <a:r>
+              <a:rPr lang="en-US" dirty="0" err="1" smtClean="0"/>
+              <a:t>ubunut:latest</a:t>
+            </a:r>
+            <a:r>
+              <a:rPr lang="en-US" dirty="0" smtClean="0"/>
+              <a:t> /bin/bash</a:t>
+            </a:r>
+          </a:p>
+          <a:p>
+            <a:pPr marL="355600" indent="-342900"/>
+            <a:r>
+              <a:rPr lang="en-US" dirty="0" smtClean="0"/>
+              <a:t>To see the running containers </a:t>
+            </a:r>
+          </a:p>
+          <a:p>
+            <a:pPr marL="692150" lvl="1" indent="-342900"/>
+            <a:r>
+              <a:rPr lang="en-US" dirty="0" smtClean="0"/>
+              <a:t>$ </a:t>
+            </a:r>
+            <a:r>
+              <a:rPr lang="en-US" dirty="0" err="1" smtClean="0"/>
+              <a:t>docker</a:t>
+            </a:r>
+            <a:r>
+              <a:rPr lang="en-US" dirty="0" smtClean="0"/>
+              <a:t> </a:t>
+            </a:r>
+            <a:r>
+              <a:rPr lang="en-US" dirty="0" err="1" smtClean="0"/>
+              <a:t>ps</a:t>
+            </a:r>
+            <a:endParaRPr lang="en-US" dirty="0"/>
+          </a:p>
+          <a:p>
+            <a:pPr marL="355600" indent="-342900"/>
+            <a:r>
+              <a:rPr lang="en-US" dirty="0" smtClean="0"/>
+              <a:t>To fetch all containers (running and stopped)</a:t>
+            </a:r>
+          </a:p>
+          <a:p>
+            <a:pPr marL="692150" lvl="1" indent="-342900"/>
+            <a:r>
+              <a:rPr lang="en-US" dirty="0" smtClean="0"/>
+              <a:t>$ </a:t>
+            </a:r>
+            <a:r>
+              <a:rPr lang="en-US" dirty="0" err="1" smtClean="0"/>
+              <a:t>docker</a:t>
+            </a:r>
+            <a:r>
+              <a:rPr lang="en-US" dirty="0" smtClean="0"/>
+              <a:t> </a:t>
+            </a:r>
+            <a:r>
+              <a:rPr lang="en-US" dirty="0" err="1" smtClean="0"/>
+              <a:t>ps</a:t>
+            </a:r>
+            <a:r>
+              <a:rPr lang="en-US" dirty="0" smtClean="0"/>
+              <a:t> -a</a:t>
+            </a:r>
+          </a:p>
+        </p:txBody>
+      </p:sp>
+      <p:sp>
+        <p:nvSpPr>
+          <p:cNvPr id="4" name="Footer Placeholder 3"/>
+          <p:cNvSpPr>
+            <a:spLocks noGrp="1"/>
+          </p:cNvSpPr>
+          <p:nvPr>
+            <p:ph type="ftr" sz="quarter" idx="11"/>
           </p:nvPr>
         </p:nvSpPr>
         <p:spPr/>
@@ -5511,13 +5484,50 @@
           <a:lstStyle/>
           <a:p>
             <a:r>
-              <a:rPr lang="en-US" dirty="0" smtClean="0"/>
-              <a:t>References	</a:t>
-            </a:r>
-            <a:endParaRPr lang="en-US" dirty="0"/>
-          </a:p>
-        </p:txBody>
-      </p:sp>
+              <a:rPr lang="en-US" smtClean="0"/>
+              <a:t>DevOps Meetup 2 - Nisum Technologies</a:t>
+            </a:r>
+            <a:endParaRPr lang="en-US"/>
+          </a:p>
+        </p:txBody>
+      </p:sp>
+    </p:spTree>
+    <p:extLst>
+      <p:ext uri="{BB962C8B-B14F-4D97-AF65-F5344CB8AC3E}">
+        <p14:creationId xmlns:p14="http://schemas.microsoft.com/office/powerpoint/2010/main" val="2631526465"/>
+      </p:ext>
+    </p:extLst>
+  </p:cSld>
+  <p:clrMapOvr>
+    <a:masterClrMapping/>
+  </p:clrMapOvr>
+  <p:timing>
+    <p:tnLst>
+      <p:par>
+        <p:cTn xmlns:p14="http://schemas.microsoft.com/office/powerpoint/2010/main" id="1" dur="indefinite" restart="never" nodeType="tmRoot"/>
+      </p:par>
+    </p:tnLst>
+  </p:timing>
+</p:sld>
+</file>
+
+<file path=ppt/slides/slide19.xml><?xml version="1.0" encoding="utf-8"?>
+<p:sld xmlns:a="http://schemas.openxmlformats.org/drawingml/2006/main" xmlns:r="http://schemas.openxmlformats.org/officeDocument/2006/relationships" xmlns:p="http://schemas.openxmlformats.org/presentationml/2006/main">
+  <p:cSld>
+    <p:spTree>
+      <p:nvGrpSpPr>
+        <p:cNvPr id="1" name=""/>
+        <p:cNvGrpSpPr/>
+        <p:nvPr/>
+      </p:nvGrpSpPr>
+      <p:grpSpPr>
+        <a:xfrm>
+          <a:off x="0" y="0"/>
+          <a:ext cx="0" cy="0"/>
+          <a:chOff x="0" y="0"/>
+          <a:chExt cx="0" cy="0"/>
+        </a:xfrm>
+      </p:grpSpPr>
       <p:sp>
         <p:nvSpPr>
           <p:cNvPr id="3" name="Content Placeholder 2"/>
@@ -5528,129 +5538,106 @@
             <p:ph idx="1"/>
           </p:nvPr>
         </p:nvSpPr>
-        <p:spPr/>
-        <p:txBody>
-          <a:bodyPr>
-            <a:normAutofit lnSpcReduction="10000"/>
-          </a:bodyPr>
-          <a:lstStyle/>
-          <a:p>
+        <p:spPr>
+          <a:xfrm>
+            <a:off x="549275" y="224907"/>
+            <a:ext cx="8042276" cy="5718694"/>
+          </a:xfrm>
+        </p:spPr>
+        <p:txBody>
+          <a:bodyPr/>
+          <a:lstStyle/>
+          <a:p>
+            <a:r>
+              <a:rPr lang="en-US" dirty="0" smtClean="0"/>
+              <a:t>To stop the running container</a:t>
+            </a:r>
+          </a:p>
+          <a:p>
+            <a:pPr lvl="1"/>
+            <a:r>
+              <a:rPr lang="en-US" dirty="0" smtClean="0"/>
+              <a:t>$ </a:t>
+            </a:r>
             <a:r>
               <a:rPr lang="en-US" dirty="0" err="1" smtClean="0"/>
-              <a:t>Zakeer’s</a:t>
-            </a:r>
-            <a:r>
-              <a:rPr lang="en-US" dirty="0" smtClean="0"/>
-              <a:t> </a:t>
+              <a:t>docker</a:t>
+            </a:r>
+            <a:r>
+              <a:rPr lang="en-US" dirty="0" smtClean="0"/>
+              <a:t> stop &lt;</a:t>
             </a:r>
             <a:r>
               <a:rPr lang="en-US" dirty="0" err="1" smtClean="0"/>
-              <a:t>Github</a:t>
-            </a:r>
-            <a:r>
-              <a:rPr lang="en-US" dirty="0" smtClean="0"/>
-              <a:t> link</a:t>
-            </a:r>
-            <a:r>
-              <a:rPr lang="en-US" dirty="0"/>
-              <a:t>: https://</a:t>
-            </a:r>
-            <a:r>
-              <a:rPr lang="en-US" dirty="0" err="1"/>
-              <a:t>github.com</a:t>
-            </a:r>
-            <a:r>
-              <a:rPr lang="en-US" dirty="0"/>
-              <a:t>/zakeeruddin21/Docker-101</a:t>
-            </a:r>
+              <a:t>container_id</a:t>
+            </a:r>
+            <a:r>
+              <a:rPr lang="en-US" dirty="0" smtClean="0"/>
+              <a:t>/name&gt;</a:t>
+            </a:r>
+          </a:p>
+          <a:p>
+            <a:r>
+              <a:rPr lang="en-US" dirty="0" smtClean="0"/>
+              <a:t>To start the running container</a:t>
+            </a:r>
+          </a:p>
+          <a:p>
+            <a:pPr lvl="1"/>
+            <a:r>
+              <a:rPr lang="en-US" dirty="0" smtClean="0"/>
+              <a:t>$ </a:t>
+            </a:r>
+            <a:r>
+              <a:rPr lang="en-US" dirty="0" err="1" smtClean="0"/>
+              <a:t>docker</a:t>
+            </a:r>
+            <a:r>
+              <a:rPr lang="en-US" dirty="0" smtClean="0"/>
+              <a:t> restart &lt;container-id/name&gt;</a:t>
+            </a:r>
+          </a:p>
+          <a:p>
+            <a:r>
+              <a:rPr lang="en-US" dirty="0" smtClean="0"/>
+              <a:t>If the container was originally launched with interactive option then do the following also</a:t>
+            </a:r>
+          </a:p>
+          <a:p>
+            <a:pPr lvl="1"/>
+            <a:r>
+              <a:rPr lang="en-US" dirty="0" smtClean="0"/>
+              <a:t>$ </a:t>
+            </a:r>
+            <a:r>
+              <a:rPr lang="en-US" dirty="0" err="1" smtClean="0"/>
+              <a:t>docker</a:t>
+            </a:r>
+            <a:r>
+              <a:rPr lang="en-US" dirty="0" smtClean="0"/>
+              <a:t> attach &lt;container-id&gt;</a:t>
+            </a:r>
+          </a:p>
+          <a:p>
+            <a:pPr marL="349250" lvl="1" indent="0">
+              <a:buNone/>
+            </a:pPr>
             <a:endParaRPr lang="en-US" dirty="0" smtClean="0"/>
           </a:p>
           <a:p>
-            <a:r>
-              <a:rPr lang="en-US" dirty="0" smtClean="0"/>
-              <a:t>Docker </a:t>
-            </a:r>
-            <a:r>
-              <a:rPr lang="en-US" dirty="0"/>
-              <a:t>official website : </a:t>
-            </a:r>
-            <a:r>
-              <a:rPr lang="en-US" dirty="0">
-                <a:hlinkClick r:id="rId2"/>
-              </a:rPr>
-              <a:t>https://docs.docker.com</a:t>
+            <a:pPr marL="12700" indent="0">
+              <a:buNone/>
+            </a:pPr>
+            <a:r>
+              <a:rPr lang="en-US" dirty="0" smtClean="0"/>
+              <a:t>There are many more commands that can be found at </a:t>
             </a:r>
             <a:r>
               <a:rPr lang="en-US" dirty="0" smtClean="0">
                 <a:hlinkClick r:id="rId2"/>
               </a:rPr>
-              <a:t>/</a:t>
-            </a:r>
-            <a:endParaRPr lang="en-US" dirty="0" smtClean="0"/>
-          </a:p>
-          <a:p>
-            <a:r>
-              <a:rPr lang="en-US" dirty="0"/>
-              <a:t>The Docker Book - Containerization is the new virtualization by James </a:t>
-            </a:r>
-            <a:r>
-              <a:rPr lang="en-US" dirty="0" smtClean="0"/>
-              <a:t>Turnbull</a:t>
-            </a:r>
-          </a:p>
-          <a:p>
-            <a:r>
-              <a:rPr lang="en-US" dirty="0"/>
-              <a:t>Docker blog - https://</a:t>
-            </a:r>
-            <a:r>
-              <a:rPr lang="en-US" dirty="0" err="1"/>
-              <a:t>blog.docker.com</a:t>
-            </a:r>
-            <a:endParaRPr lang="en-US" dirty="0" smtClean="0"/>
-          </a:p>
-          <a:p>
-            <a:r>
-              <a:rPr lang="en-US" dirty="0" smtClean="0"/>
-              <a:t>Docker </a:t>
-            </a:r>
-            <a:r>
-              <a:rPr lang="en-US" dirty="0"/>
-              <a:t>Installation on </a:t>
-            </a:r>
-            <a:r>
-              <a:rPr lang="en-US" dirty="0" smtClean="0"/>
-              <a:t>Mac – </a:t>
-            </a:r>
-            <a:r>
-              <a:rPr lang="en-US" dirty="0" smtClean="0">
-                <a:hlinkClick r:id="rId3"/>
-              </a:rPr>
-              <a:t>youtube</a:t>
-            </a:r>
-            <a:endParaRPr lang="en-US" dirty="0" smtClean="0"/>
-          </a:p>
-          <a:p>
-            <a:r>
-              <a:rPr lang="en-US" dirty="0" smtClean="0"/>
-              <a:t>Brief introduction to Docker Virtualization </a:t>
-            </a:r>
-            <a:r>
-              <a:rPr lang="en-US" dirty="0"/>
-              <a:t>- </a:t>
-            </a:r>
-            <a:r>
-              <a:rPr lang="en-US" dirty="0" smtClean="0">
-                <a:hlinkClick r:id="rId4"/>
-              </a:rPr>
-              <a:t>youtube</a:t>
-            </a:r>
-            <a:endParaRPr lang="en-US" dirty="0"/>
-          </a:p>
-          <a:p>
-            <a:pPr marL="0" indent="0">
-              <a:buNone/>
-            </a:pPr>
+              <a:t>link:Docker-commands</a:t>
+            </a:r>
             <a:endParaRPr lang="en-US" dirty="0"/>
           </a:p>
         </p:txBody>
@@ -5681,7 +5668,7 @@
     </p:spTree>
     <p:extLst>
       <p:ext uri="{BB962C8B-B14F-4D97-AF65-F5344CB8AC3E}">
-        <p14:creationId xmlns:p14="http://schemas.microsoft.com/office/powerpoint/2010/main" val="2297948289"/>
+        <p14:creationId xmlns:p14="http://schemas.microsoft.com/office/powerpoint/2010/main" val="923017943"/>
       </p:ext>
     </p:extLst>
   </p:cSld>
@@ -5829,6 +5816,226 @@
     <p:extLst>
       <p:ext uri="{BB962C8B-B14F-4D97-AF65-F5344CB8AC3E}">
         <p14:creationId xmlns:p14="http://schemas.microsoft.com/office/powerpoint/2010/main" val="433345036"/>
+      </p:ext>
+    </p:extLst>
+  </p:cSld>
+  <p:clrMapOvr>
+    <a:masterClrMapping/>
+  </p:clrMapOvr>
+  <p:timing>
+    <p:tnLst>
+      <p:par>
+        <p:cTn xmlns:p14="http://schemas.microsoft.com/office/powerpoint/2010/main" id="1" dur="indefinite" restart="never" nodeType="tmRoot"/>
+      </p:par>
+    </p:tnLst>
+  </p:timing>
+</p:sld>
+</file>
+
+<file path=ppt/slides/slide20.xml><?xml version="1.0" encoding="utf-8"?>
+<p:sld xmlns:a="http://schemas.openxmlformats.org/drawingml/2006/main" xmlns:r="http://schemas.openxmlformats.org/officeDocument/2006/relationships" xmlns:p="http://schemas.openxmlformats.org/presentationml/2006/main">
+  <p:cSld>
+    <p:spTree>
+      <p:nvGrpSpPr>
+        <p:cNvPr id="1" name=""/>
+        <p:cNvGrpSpPr/>
+        <p:nvPr/>
+      </p:nvGrpSpPr>
+      <p:grpSpPr>
+        <a:xfrm>
+          <a:off x="0" y="0"/>
+          <a:ext cx="0" cy="0"/>
+          <a:chOff x="0" y="0"/>
+          <a:chExt cx="0" cy="0"/>
+        </a:xfrm>
+      </p:grpSpPr>
+      <p:sp>
+        <p:nvSpPr>
+          <p:cNvPr id="2" name="Title 1"/>
+          <p:cNvSpPr>
+            <a:spLocks noGrp="1"/>
+          </p:cNvSpPr>
+          <p:nvPr>
+            <p:ph type="title"/>
+          </p:nvPr>
+        </p:nvSpPr>
+        <p:spPr/>
+        <p:txBody>
+          <a:bodyPr/>
+          <a:lstStyle/>
+          <a:p>
+            <a:r>
+              <a:rPr lang="en-US" dirty="0" smtClean="0"/>
+              <a:t>References	</a:t>
+            </a:r>
+            <a:endParaRPr lang="en-US" dirty="0"/>
+          </a:p>
+        </p:txBody>
+      </p:sp>
+      <p:sp>
+        <p:nvSpPr>
+          <p:cNvPr id="3" name="Content Placeholder 2"/>
+          <p:cNvSpPr>
+            <a:spLocks noGrp="1"/>
+          </p:cNvSpPr>
+          <p:nvPr>
+            <p:ph idx="1"/>
+          </p:nvPr>
+        </p:nvSpPr>
+        <p:spPr/>
+        <p:txBody>
+          <a:bodyPr>
+            <a:normAutofit lnSpcReduction="10000"/>
+          </a:bodyPr>
+          <a:lstStyle/>
+          <a:p>
+            <a:r>
+              <a:rPr lang="en-US" dirty="0" err="1" smtClean="0"/>
+              <a:t>Zakeer’s</a:t>
+            </a:r>
+            <a:r>
+              <a:rPr lang="en-US" dirty="0" smtClean="0"/>
+              <a:t> </a:t>
+            </a:r>
+            <a:r>
+              <a:rPr lang="en-US" dirty="0" err="1" smtClean="0"/>
+              <a:t>Github</a:t>
+            </a:r>
+            <a:r>
+              <a:rPr lang="en-US" dirty="0" smtClean="0"/>
+              <a:t> link</a:t>
+            </a:r>
+            <a:r>
+              <a:rPr lang="en-US" dirty="0"/>
+              <a:t>: https://</a:t>
+            </a:r>
+            <a:r>
+              <a:rPr lang="en-US" dirty="0" err="1"/>
+              <a:t>github.com</a:t>
+            </a:r>
+            <a:r>
+              <a:rPr lang="en-US" dirty="0"/>
+              <a:t>/zakeeruddin21/Docker-101</a:t>
+            </a:r>
+            <a:endParaRPr lang="en-US" dirty="0" smtClean="0"/>
+          </a:p>
+          <a:p>
+            <a:r>
+              <a:rPr lang="en-US" dirty="0" smtClean="0"/>
+              <a:t>Docker </a:t>
+            </a:r>
+            <a:r>
+              <a:rPr lang="en-US" dirty="0"/>
+              <a:t>official website : </a:t>
+            </a:r>
+            <a:r>
+              <a:rPr lang="en-US" dirty="0">
+                <a:hlinkClick r:id="rId2"/>
+              </a:rPr>
+              <a:t>https://docs.docker.com</a:t>
+            </a:r>
+            <a:r>
+              <a:rPr lang="en-US" dirty="0" smtClean="0">
+                <a:hlinkClick r:id="rId2"/>
+              </a:rPr>
+              <a:t>/</a:t>
+            </a:r>
+            <a:endParaRPr lang="en-US" dirty="0" smtClean="0"/>
+          </a:p>
+          <a:p>
+            <a:r>
+              <a:rPr lang="en-US" dirty="0"/>
+              <a:t>The Docker Book - Containerization is the new virtualization by James </a:t>
+            </a:r>
+            <a:r>
+              <a:rPr lang="en-US" dirty="0" smtClean="0"/>
+              <a:t>Turnbull</a:t>
+            </a:r>
+          </a:p>
+          <a:p>
+            <a:r>
+              <a:rPr lang="en-US" dirty="0"/>
+              <a:t>Docker blog - https://</a:t>
+            </a:r>
+            <a:r>
+              <a:rPr lang="en-US" dirty="0" err="1"/>
+              <a:t>blog.docker.com</a:t>
+            </a:r>
+            <a:endParaRPr lang="en-US" dirty="0" smtClean="0"/>
+          </a:p>
+          <a:p>
+            <a:r>
+              <a:rPr lang="en-US" dirty="0" smtClean="0"/>
+              <a:t>Docker </a:t>
+            </a:r>
+            <a:r>
+              <a:rPr lang="en-US" dirty="0"/>
+              <a:t>Installation on </a:t>
+            </a:r>
+            <a:r>
+              <a:rPr lang="en-US" dirty="0" smtClean="0"/>
+              <a:t>Mac – </a:t>
+            </a:r>
+            <a:r>
+              <a:rPr lang="en-US" dirty="0" smtClean="0">
+                <a:hlinkClick r:id="rId3"/>
+              </a:rPr>
+              <a:t>youtube</a:t>
+            </a:r>
+            <a:endParaRPr lang="en-US" dirty="0" smtClean="0"/>
+          </a:p>
+          <a:p>
+            <a:r>
+              <a:rPr lang="en-US" dirty="0" smtClean="0"/>
+              <a:t>Brief introduction to Docker Virtualization </a:t>
+            </a:r>
+            <a:r>
+              <a:rPr lang="en-US" dirty="0"/>
+              <a:t>- </a:t>
+            </a:r>
+            <a:r>
+              <a:rPr lang="en-US" dirty="0" smtClean="0">
+                <a:hlinkClick r:id="rId4"/>
+              </a:rPr>
+              <a:t>youtube</a:t>
+            </a:r>
+            <a:endParaRPr lang="en-US" dirty="0"/>
+          </a:p>
+          <a:p>
+            <a:pPr marL="0" indent="0">
+              <a:buNone/>
+            </a:pPr>
+            <a:endParaRPr lang="en-US" dirty="0"/>
+          </a:p>
+        </p:txBody>
+      </p:sp>
+      <p:sp>
+        <p:nvSpPr>
+          <p:cNvPr id="4" name="Footer Placeholder 3"/>
+          <p:cNvSpPr>
+            <a:spLocks noGrp="1"/>
+          </p:cNvSpPr>
+          <p:nvPr>
+            <p:ph type="ftr" sz="quarter" idx="11"/>
+          </p:nvPr>
+        </p:nvSpPr>
+        <p:spPr/>
+        <p:txBody>
+          <a:bodyPr/>
+          <a:lstStyle/>
+          <a:p>
+            <a:r>
+              <a:rPr lang="en-US" smtClean="0"/>
+              <a:t>DevOps Meetup 2 - Nisum Technologies</a:t>
+            </a:r>
+            <a:endParaRPr lang="en-US"/>
+          </a:p>
+        </p:txBody>
+      </p:sp>
+    </p:spTree>
+    <p:extLst>
+      <p:ext uri="{BB962C8B-B14F-4D97-AF65-F5344CB8AC3E}">
+        <p14:creationId xmlns:p14="http://schemas.microsoft.com/office/powerpoint/2010/main" val="2297948289"/>
       </p:ext>
     </p:extLst>
   </p:cSld>
@@ -6029,17 +6236,8 @@
             <a:pPr lvl="2"/>
             <a:r>
               <a:rPr lang="en-US" dirty="0" smtClean="0"/>
-              <a:t>No </a:t>
-            </a:r>
-            <a:r>
-              <a:rPr lang="en-US" dirty="0" smtClean="0"/>
-              <a:t>OS - </a:t>
-            </a:r>
-            <a:r>
-              <a:rPr lang="en-US" dirty="0" smtClean="0"/>
-              <a:t>Kernel</a:t>
-            </a:r>
-            <a:endParaRPr lang="en-US" dirty="0" smtClean="0"/>
+              <a:t>No OS - Kernel</a:t>
+            </a:r>
           </a:p>
           <a:p>
             <a:pPr lvl="2"/>
@@ -6079,15 +6277,7 @@
             <a:pPr lvl="1"/>
             <a:r>
               <a:rPr lang="en-US" dirty="0" smtClean="0"/>
-              <a:t>Create </a:t>
-            </a:r>
-            <a:r>
-              <a:rPr lang="en-US" dirty="0" err="1" smtClean="0"/>
-              <a:t>docker</a:t>
-            </a:r>
-            <a:r>
-              <a:rPr lang="en-US" dirty="0" smtClean="0"/>
-              <a:t> images (</a:t>
+              <a:t>Create Docker images (</a:t>
             </a:r>
             <a:r>
               <a:rPr lang="en-US" dirty="0" err="1" smtClean="0"/>
@@ -6102,13 +6292,8 @@
             <a:pPr lvl="1"/>
             <a:r>
               <a:rPr lang="en-US" dirty="0" smtClean="0"/>
-              <a:t>Run </a:t>
-            </a:r>
-            <a:r>
-              <a:rPr lang="en-US" dirty="0" smtClean="0"/>
-              <a:t>containers based on images</a:t>
-            </a:r>
-            <a:endParaRPr lang="en-US" dirty="0" smtClean="0"/>
+              <a:t>Run containers based on images</a:t>
+            </a:r>
           </a:p>
           <a:p>
             <a:pPr lvl="1"/>
@@ -6290,9 +6475,32 @@
           <a:chExt cx="0" cy="0"/>
         </a:xfrm>
       </p:grpSpPr>
+      <p:sp>
+        <p:nvSpPr>
+          <p:cNvPr id="4" name="Footer Placeholder 3"/>
+          <p:cNvSpPr>
+            <a:spLocks noGrp="1"/>
+          </p:cNvSpPr>
+          <p:nvPr>
+            <p:ph type="ftr" sz="quarter" idx="11"/>
+          </p:nvPr>
+        </p:nvSpPr>
+        <p:spPr/>
+        <p:txBody>
+          <a:bodyPr/>
+          <a:lstStyle/>
+          <a:p>
+            <a:r>
+              <a:rPr lang="en-US" smtClean="0"/>
+              <a:t>DevOps Meetup 2 - Nisum Technologies</a:t>
+            </a:r>
+            <a:endParaRPr lang="en-US"/>
+          </a:p>
+        </p:txBody>
+      </p:sp>
       <p:pic>
         <p:nvPicPr>
-          <p:cNvPr id="5" name="Content Placeholder 4"/>
+          <p:cNvPr id="3" name="Content Placeholder 2" descr="demo.png"/>
           <p:cNvPicPr>
             <a:picLocks noGrp="1" noChangeAspect="1"/>
           </p:cNvPicPr>
@@ -6301,42 +6509,25 @@
           </p:nvPr>
         </p:nvPicPr>
         <p:blipFill>
-          <a:blip r:embed="rId2"/>
-          <a:srcRect t="903" b="903"/>
+          <a:blip r:embed="rId2">
+            <a:extLst>
+              <a:ext uri="{28A0092B-C50C-407E-A947-70E740481C1C}">
+                <a14:useLocalDpi xmlns:a14="http://schemas.microsoft.com/office/drawing/2010/main" val="0"/>
+              </a:ext>
+            </a:extLst>
+          </a:blip>
+          <a:srcRect t="77" b="77"/>
           <a:stretch>
             <a:fillRect/>
           </a:stretch>
         </p:blipFill>
         <p:spPr>
           <a:xfrm>
-            <a:off x="549275" y="944782"/>
-            <a:ext cx="8042276" cy="4343400"/>
+            <a:off x="549275" y="948952"/>
+            <a:ext cx="8042276" cy="4994649"/>
           </a:xfrm>
         </p:spPr>
       </p:pic>
-      <p:sp>
-        <p:nvSpPr>
-          <p:cNvPr id="4" name="Footer Placeholder 3"/>
-          <p:cNvSpPr>
-            <a:spLocks noGrp="1"/>
-          </p:cNvSpPr>
-          <p:nvPr>
-            <p:ph type="ftr" sz="quarter" idx="11"/>
-          </p:nvPr>
-        </p:nvSpPr>
-        <p:spPr/>
-        <p:txBody>
-          <a:bodyPr/>
-          <a:lstStyle/>
-          <a:p>
-            <a:r>
-              <a:rPr lang="en-US" smtClean="0"/>
-              <a:t>DevOps Meetup 2 - Nisum Technologies</a:t>
-            </a:r>
-            <a:endParaRPr lang="en-US"/>
-          </a:p>
-        </p:txBody>
-      </p:sp>
     </p:spTree>
     <p:extLst>
       <p:ext uri="{BB962C8B-B14F-4D97-AF65-F5344CB8AC3E}">
@@ -6376,12 +6567,12 @@
       </p:grpSpPr>
       <p:sp>
         <p:nvSpPr>
-          <p:cNvPr id="2" name="Title 1"/>
-          <p:cNvSpPr>
-            <a:spLocks noGrp="1"/>
-          </p:cNvSpPr>
-          <p:nvPr>
-            <p:ph type="title"/>
+          <p:cNvPr id="4" name="Footer Placeholder 3"/>
+          <p:cNvSpPr>
+            <a:spLocks noGrp="1"/>
+          </p:cNvSpPr>
+          <p:nvPr>
+            <p:ph type="ftr" sz="quarter" idx="11"/>
           </p:nvPr>
         </p:nvSpPr>
         <p:spPr/>
@@ -6390,193 +6581,47 @@
           <a:lstStyle/>
           <a:p>
             <a:r>
-              <a:rPr lang="en-US" dirty="0" smtClean="0"/>
-              <a:t>Docker - Components</a:t>
-            </a:r>
-            <a:endParaRPr lang="en-US" dirty="0"/>
-          </a:p>
-        </p:txBody>
-      </p:sp>
-      <p:sp>
-        <p:nvSpPr>
-          <p:cNvPr id="3" name="Content Placeholder 2"/>
-          <p:cNvSpPr>
-            <a:spLocks noGrp="1"/>
-          </p:cNvSpPr>
+              <a:rPr lang="en-US" smtClean="0"/>
+              <a:t>DevOps Meetup 2 - Nisum Technologies</a:t>
+            </a:r>
+            <a:endParaRPr lang="en-US"/>
+          </a:p>
+        </p:txBody>
+      </p:sp>
+      <p:pic>
+        <p:nvPicPr>
+          <p:cNvPr id="7" name="Content Placeholder 6" descr="demo1.png"/>
+          <p:cNvPicPr>
+            <a:picLocks noGrp="1" noChangeAspect="1"/>
+          </p:cNvPicPr>
           <p:nvPr>
             <p:ph idx="1"/>
           </p:nvPr>
-        </p:nvSpPr>
-        <p:spPr/>
-        <p:txBody>
-          <a:bodyPr>
-            <a:normAutofit fontScale="77500" lnSpcReduction="20000"/>
-          </a:bodyPr>
-          <a:lstStyle/>
-          <a:p>
-            <a:r>
-              <a:rPr lang="en-US" dirty="0" smtClean="0"/>
-              <a:t>Docker Engine / Daemon</a:t>
-            </a:r>
-          </a:p>
-          <a:p>
-            <a:pPr lvl="1"/>
-            <a:r>
-              <a:rPr lang="en-US" dirty="0" smtClean="0"/>
-              <a:t>Runs on a Host</a:t>
-            </a:r>
-          </a:p>
-          <a:p>
-            <a:pPr lvl="1"/>
-            <a:r>
-              <a:rPr lang="en-US" dirty="0" smtClean="0"/>
-              <a:t>Can spin up </a:t>
-            </a:r>
-            <a:r>
-              <a:rPr lang="en-US" dirty="0" smtClean="0"/>
-              <a:t>Docker </a:t>
-            </a:r>
-            <a:r>
-              <a:rPr lang="en-US" dirty="0" smtClean="0"/>
-              <a:t>containers</a:t>
-            </a:r>
-          </a:p>
-          <a:p>
-            <a:r>
-              <a:rPr lang="en-US" dirty="0" smtClean="0"/>
-              <a:t>Docker Client</a:t>
-            </a:r>
-          </a:p>
-          <a:p>
-            <a:pPr lvl="1"/>
-            <a:r>
-              <a:rPr lang="en-US" dirty="0" smtClean="0"/>
-              <a:t>Used to instruct the </a:t>
-            </a:r>
-            <a:r>
-              <a:rPr lang="en-US" dirty="0" smtClean="0"/>
-              <a:t>Docker Engine</a:t>
-            </a:r>
-          </a:p>
-          <a:p>
-            <a:r>
-              <a:rPr lang="en-US" dirty="0" smtClean="0"/>
-              <a:t>Docker images &amp; containers</a:t>
-            </a:r>
-          </a:p>
-          <a:p>
-            <a:pPr lvl="1"/>
-            <a:r>
-              <a:rPr lang="en-US" dirty="0" smtClean="0"/>
-              <a:t>Docker image – based on Union File System</a:t>
-            </a:r>
-          </a:p>
-          <a:p>
-            <a:pPr lvl="2"/>
-            <a:r>
-              <a:rPr lang="en-US" dirty="0" smtClean="0"/>
-              <a:t>Shareable </a:t>
-            </a:r>
-          </a:p>
-          <a:p>
-            <a:pPr lvl="1"/>
-            <a:r>
-              <a:rPr lang="en-US" dirty="0" smtClean="0"/>
-              <a:t>Docker container – An </a:t>
-            </a:r>
-            <a:r>
-              <a:rPr lang="en-US" dirty="0" smtClean="0"/>
-              <a:t>Docker </a:t>
-            </a:r>
-            <a:r>
-              <a:rPr lang="en-US" dirty="0" smtClean="0"/>
-              <a:t>image in running state</a:t>
-            </a:r>
-          </a:p>
-          <a:p>
-            <a:pPr lvl="1"/>
-            <a:r>
-              <a:rPr lang="en-US" dirty="0" smtClean="0"/>
-              <a:t>“</a:t>
-            </a:r>
-            <a:r>
-              <a:rPr lang="en-US" b="1" dirty="0" smtClean="0"/>
-              <a:t>So you build an image and run a container off of it</a:t>
-            </a:r>
-            <a:r>
-              <a:rPr lang="en-US" dirty="0" smtClean="0"/>
-              <a:t>”</a:t>
-            </a:r>
-          </a:p>
-          <a:p>
-            <a:r>
-              <a:rPr lang="en-US" dirty="0" smtClean="0"/>
-              <a:t>Docker Registry</a:t>
-            </a:r>
-          </a:p>
-          <a:p>
-            <a:pPr lvl="1"/>
-            <a:r>
-              <a:rPr lang="en-US" dirty="0" smtClean="0"/>
-              <a:t>Like a </a:t>
-            </a:r>
-            <a:r>
-              <a:rPr lang="en-US" dirty="0" err="1" smtClean="0"/>
-              <a:t>git</a:t>
-            </a:r>
-            <a:r>
-              <a:rPr lang="en-US" dirty="0" smtClean="0"/>
-              <a:t>-repo for </a:t>
-            </a:r>
-            <a:r>
-              <a:rPr lang="en-US" dirty="0" smtClean="0"/>
-              <a:t>Docker </a:t>
-            </a:r>
-            <a:r>
-              <a:rPr lang="en-US" dirty="0" smtClean="0"/>
-              <a:t>images</a:t>
-            </a:r>
-          </a:p>
-          <a:p>
-            <a:pPr lvl="1"/>
-            <a:r>
-              <a:rPr lang="en-US" dirty="0" smtClean="0"/>
-              <a:t>Docker daemon talks to Registry to pull/push images</a:t>
-            </a:r>
-          </a:p>
-          <a:p>
-            <a:pPr lvl="1"/>
-            <a:endParaRPr lang="en-US" dirty="0"/>
-          </a:p>
-        </p:txBody>
-      </p:sp>
-      <p:sp>
-        <p:nvSpPr>
-          <p:cNvPr id="4" name="Footer Placeholder 3"/>
-          <p:cNvSpPr>
-            <a:spLocks noGrp="1"/>
-          </p:cNvSpPr>
-          <p:nvPr>
-            <p:ph type="ftr" sz="quarter" idx="11"/>
-          </p:nvPr>
-        </p:nvSpPr>
-        <p:spPr/>
-        <p:txBody>
-          <a:bodyPr/>
-          <a:lstStyle/>
-          <a:p>
-            <a:r>
-              <a:rPr lang="en-US" smtClean="0"/>
-              <a:t>DevOps Meetup 2 - Nisum Technologies</a:t>
-            </a:r>
-            <a:endParaRPr lang="en-US"/>
-          </a:p>
-        </p:txBody>
-      </p:sp>
+        </p:nvPicPr>
+        <p:blipFill>
+          <a:blip r:embed="rId2">
+            <a:extLst>
+              <a:ext uri="{28A0092B-C50C-407E-A947-70E740481C1C}">
+                <a14:useLocalDpi xmlns:a14="http://schemas.microsoft.com/office/drawing/2010/main" val="0"/>
+              </a:ext>
+            </a:extLst>
+          </a:blip>
+          <a:srcRect t="-7404" b="-7404"/>
+          <a:stretch>
+            <a:fillRect/>
+          </a:stretch>
+        </p:blipFill>
+        <p:spPr>
+          <a:xfrm>
+            <a:off x="549275" y="949325"/>
+            <a:ext cx="8042275" cy="5123965"/>
+          </a:xfrm>
+        </p:spPr>
+      </p:pic>
     </p:spTree>
     <p:extLst>
       <p:ext uri="{BB962C8B-B14F-4D97-AF65-F5344CB8AC3E}">
-        <p14:creationId xmlns:p14="http://schemas.microsoft.com/office/powerpoint/2010/main" val="3327967339"/>
+        <p14:creationId xmlns:p14="http://schemas.microsoft.com/office/powerpoint/2010/main" val="3538076485"/>
       </p:ext>
     </p:extLst>
   </p:cSld>
@@ -6610,34 +6655,36 @@
           <a:chExt cx="0" cy="0"/>
         </a:xfrm>
       </p:grpSpPr>
-      <p:sp>
-        <p:nvSpPr>
-          <p:cNvPr id="2" name="Title 1"/>
-          <p:cNvSpPr>
-            <a:spLocks noGrp="1"/>
-          </p:cNvSpPr>
-          <p:nvPr>
-            <p:ph type="title"/>
-          </p:nvPr>
-        </p:nvSpPr>
+      <p:pic>
+        <p:nvPicPr>
+          <p:cNvPr id="5" name="Content Placeholder 4" descr="demo2.png"/>
+          <p:cNvPicPr>
+            <a:picLocks noGrp="1" noChangeAspect="1"/>
+          </p:cNvPicPr>
+          <p:nvPr>
+            <p:ph idx="1"/>
+          </p:nvPr>
+        </p:nvPicPr>
+        <p:blipFill>
+          <a:blip r:embed="rId2">
+            <a:extLst>
+              <a:ext uri="{28A0092B-C50C-407E-A947-70E740481C1C}">
+                <a14:useLocalDpi xmlns:a14="http://schemas.microsoft.com/office/drawing/2010/main" val="0"/>
+              </a:ext>
+            </a:extLst>
+          </a:blip>
+          <a:srcRect t="-9422" b="-9422"/>
+          <a:stretch>
+            <a:fillRect/>
+          </a:stretch>
+        </p:blipFill>
         <p:spPr>
           <a:xfrm>
-            <a:off x="549275" y="2409580"/>
-            <a:ext cx="8042276" cy="1336956"/>
+            <a:off x="549275" y="905153"/>
+            <a:ext cx="8042276" cy="5153537"/>
           </a:xfrm>
         </p:spPr>
-        <p:txBody>
-          <a:bodyPr/>
-          <a:lstStyle/>
-          <a:p>
-            <a:r>
-              <a:rPr lang="en-US" dirty="0" smtClean="0"/>
-              <a:t>Docker Setup on Linux</a:t>
-            </a:r>
-            <a:endParaRPr lang="en-US" dirty="0"/>
-          </a:p>
-        </p:txBody>
-      </p:sp>
+      </p:pic>
       <p:sp>
         <p:nvSpPr>
           <p:cNvPr id="4" name="Footer Placeholder 3"/>
@@ -6664,7 +6711,7 @@
     </p:spTree>
     <p:extLst>
       <p:ext uri="{BB962C8B-B14F-4D97-AF65-F5344CB8AC3E}">
-        <p14:creationId xmlns:p14="http://schemas.microsoft.com/office/powerpoint/2010/main" val="1433434220"/>
+        <p14:creationId xmlns:p14="http://schemas.microsoft.com/office/powerpoint/2010/main" val="2787430639"/>
       </p:ext>
     </p:extLst>
   </p:cSld>
@@ -6700,6 +6747,29 @@
       </p:grpSpPr>
       <p:sp>
         <p:nvSpPr>
+          <p:cNvPr id="2" name="Title 1"/>
+          <p:cNvSpPr>
+            <a:spLocks noGrp="1"/>
+          </p:cNvSpPr>
+          <p:nvPr>
+            <p:ph type="title"/>
+          </p:nvPr>
+        </p:nvSpPr>
+        <p:spPr/>
+        <p:txBody>
+          <a:bodyPr/>
+          <a:lstStyle/>
+          <a:p>
+            <a:r>
+              <a:rPr lang="en-US" dirty="0" smtClean="0"/>
+              <a:t>Docker - Components</a:t>
+            </a:r>
+            <a:endParaRPr lang="en-US" dirty="0"/>
+          </a:p>
+        </p:txBody>
+      </p:sp>
+      <p:sp>
+        <p:nvSpPr>
           <p:cNvPr id="3" name="Content Placeholder 2"/>
           <p:cNvSpPr>
             <a:spLocks noGrp="1"/>
@@ -6708,19 +6778,117 @@
             <p:ph idx="1"/>
           </p:nvPr>
         </p:nvSpPr>
-        <p:spPr>
-          <a:xfrm>
-            <a:off x="549275" y="277826"/>
-            <a:ext cx="8042276" cy="5665775"/>
-          </a:xfrm>
-        </p:spPr>
-        <p:txBody>
-          <a:bodyPr/>
-          <a:lstStyle/>
-          <a:p>
-            <a:pPr marL="0" indent="0">
-              <a:buNone/>
-            </a:pPr>
+        <p:spPr/>
+        <p:txBody>
+          <a:bodyPr>
+            <a:normAutofit fontScale="77500" lnSpcReduction="20000"/>
+          </a:bodyPr>
+          <a:lstStyle/>
+          <a:p>
+            <a:r>
+              <a:rPr lang="en-US" dirty="0" smtClean="0"/>
+              <a:t>Docker Engine / Daemon</a:t>
+            </a:r>
+          </a:p>
+          <a:p>
+            <a:pPr lvl="1"/>
+            <a:r>
+              <a:rPr lang="en-US" dirty="0" smtClean="0"/>
+              <a:t>Runs on a Host</a:t>
+            </a:r>
+          </a:p>
+          <a:p>
+            <a:pPr lvl="1"/>
+            <a:r>
+              <a:rPr lang="en-US" dirty="0" smtClean="0"/>
+              <a:t>Can spin up Docker containers</a:t>
+            </a:r>
+          </a:p>
+          <a:p>
+            <a:r>
+              <a:rPr lang="en-US" dirty="0" smtClean="0"/>
+              <a:t>Docker Client</a:t>
+            </a:r>
+          </a:p>
+          <a:p>
+            <a:pPr lvl="1"/>
+            <a:r>
+              <a:rPr lang="en-US" dirty="0" smtClean="0"/>
+              <a:t>Used to instruct the Docker Engine</a:t>
+            </a:r>
+          </a:p>
+          <a:p>
+            <a:r>
+              <a:rPr lang="en-US" dirty="0" smtClean="0"/>
+              <a:t>Docker images &amp; containers</a:t>
+            </a:r>
+          </a:p>
+          <a:p>
+            <a:pPr lvl="1"/>
+            <a:r>
+              <a:rPr lang="en-US" dirty="0" smtClean="0"/>
+              <a:t>Docker image – based on Union File System</a:t>
+            </a:r>
+          </a:p>
+          <a:p>
+            <a:pPr lvl="2"/>
+            <a:r>
+              <a:rPr lang="en-US" dirty="0" smtClean="0"/>
+              <a:t>Shareable </a:t>
+            </a:r>
+          </a:p>
+          <a:p>
+            <a:pPr lvl="1"/>
+            <a:r>
+              <a:rPr lang="en-US" dirty="0" smtClean="0"/>
+              <a:t>Docker container – An Docker image in running state</a:t>
+            </a:r>
+          </a:p>
+          <a:p>
+            <a:pPr lvl="1"/>
+            <a:r>
+              <a:rPr lang="en-US" dirty="0" smtClean="0"/>
+              <a:t>“</a:t>
+            </a:r>
+            <a:r>
+              <a:rPr lang="en-US" b="1" dirty="0" smtClean="0"/>
+              <a:t>So you build an image and run a container off of it</a:t>
+            </a:r>
+            <a:r>
+              <a:rPr lang="en-US" dirty="0" smtClean="0"/>
+              <a:t>”</a:t>
+            </a:r>
+          </a:p>
+          <a:p>
+            <a:r>
+              <a:rPr lang="en-US" dirty="0" smtClean="0"/>
+              <a:t>Docker Registry</a:t>
+            </a:r>
+          </a:p>
+          <a:p>
+            <a:pPr lvl="1"/>
+            <a:r>
+              <a:rPr lang="en-US" dirty="0" smtClean="0"/>
+              <a:t>Like a </a:t>
+            </a:r>
+            <a:r>
+              <a:rPr lang="en-US" dirty="0" err="1" smtClean="0"/>
+              <a:t>git</a:t>
+            </a:r>
+            <a:r>
+              <a:rPr lang="en-US" dirty="0" smtClean="0"/>
+              <a:t>-repo for Docker images</a:t>
+            </a:r>
+          </a:p>
+          <a:p>
+            <a:pPr lvl="1"/>
+            <a:r>
+              <a:rPr lang="en-US" dirty="0" smtClean="0"/>
+              <a:t>Docker daemon talks to Registry to pull/push images</a:t>
+            </a:r>
+          </a:p>
+          <a:p>
+            <a:pPr lvl="1"/>
             <a:endParaRPr lang="en-US" dirty="0"/>
           </a:p>
         </p:txBody>
@@ -6748,40 +6916,10 @@
           </a:p>
         </p:txBody>
       </p:sp>
-      <p:pic>
-        <p:nvPicPr>
-          <p:cNvPr id="5" name="Picture 4" descr="Screen Shot 2015-03-13 at 11.37.05 AM.png"/>
-          <p:cNvPicPr>
-            <a:picLocks noChangeAspect="1"/>
-          </p:cNvPicPr>
-          <p:nvPr/>
-        </p:nvPicPr>
-        <p:blipFill>
-          <a:blip r:embed="rId2">
-            <a:extLst>
-              <a:ext uri="{28A0092B-C50C-407E-A947-70E740481C1C}">
-                <a14:useLocalDpi xmlns:a14="http://schemas.microsoft.com/office/drawing/2010/main" val="0"/>
-              </a:ext>
-            </a:extLst>
-          </a:blip>
-          <a:stretch>
-            <a:fillRect/>
-          </a:stretch>
-        </p:blipFill>
-        <p:spPr>
-          <a:xfrm>
-            <a:off x="382352" y="277826"/>
-            <a:ext cx="8316140" cy="5821114"/>
-          </a:xfrm>
-          <a:prstGeom prst="rect">
-            <a:avLst/>
-          </a:prstGeom>
-        </p:spPr>
-      </p:pic>
     </p:spTree>
     <p:extLst>
       <p:ext uri="{BB962C8B-B14F-4D97-AF65-F5344CB8AC3E}">
-        <p14:creationId xmlns:p14="http://schemas.microsoft.com/office/powerpoint/2010/main" val="679398100"/>
+        <p14:creationId xmlns:p14="http://schemas.microsoft.com/office/powerpoint/2010/main" val="3327967339"/>
       </p:ext>
     </p:extLst>
   </p:cSld>

--- a/Docker 101 - Nisum DevOps Meetup.pptx
+++ b/Docker 101 - Nisum DevOps Meetup.pptx
@@ -4349,14 +4349,41 @@
         </p:nvSpPr>
         <p:spPr/>
         <p:txBody>
-          <a:bodyPr/>
-          <a:lstStyle/>
-          <a:p>
-            <a:r>
-              <a:rPr lang="en-US" dirty="0" smtClean="0"/>
-              <a:t>Containerizing applications and services</a:t>
-            </a:r>
-            <a:endParaRPr lang="en-US" dirty="0"/>
+          <a:bodyPr>
+            <a:normAutofit lnSpcReduction="10000"/>
+          </a:bodyPr>
+          <a:lstStyle/>
+          <a:p>
+            <a:r>
+              <a:rPr lang="en-US" dirty="0" smtClean="0"/>
+              <a:t>Containerizing applications and </a:t>
+            </a:r>
+            <a:r>
+              <a:rPr lang="en-US" dirty="0" smtClean="0"/>
+              <a:t>services</a:t>
+            </a:r>
+          </a:p>
+          <a:p>
+            <a:endParaRPr lang="en-US" b="1" dirty="0"/>
+          </a:p>
+          <a:p>
+            <a:r>
+              <a:rPr lang="en-US" b="1" dirty="0" smtClean="0"/>
+              <a:t>Presentation Date -1</a:t>
+            </a:r>
+            <a:r>
+              <a:rPr lang="en-US" b="1" dirty="0" smtClean="0"/>
+              <a:t>6</a:t>
+            </a:r>
+            <a:r>
+              <a:rPr lang="en-US" b="1" baseline="30000" dirty="0" smtClean="0"/>
+              <a:t>th</a:t>
+            </a:r>
+            <a:r>
+              <a:rPr lang="en-US" b="1" dirty="0" smtClean="0"/>
+              <a:t> March, 2015</a:t>
+            </a:r>
+            <a:endParaRPr lang="en-US" b="1" dirty="0"/>
           </a:p>
         </p:txBody>
       </p:sp>
@@ -4384,6 +4411,36 @@
           <a:xfrm>
             <a:off x="2357562" y="2346466"/>
             <a:ext cx="952546" cy="952546"/>
+          </a:xfrm>
+          <a:prstGeom prst="rect">
+            <a:avLst/>
+          </a:prstGeom>
+        </p:spPr>
+      </p:pic>
+      <p:pic>
+        <p:nvPicPr>
+          <p:cNvPr id="7" name="Picture 6" descr="logo.png"/>
+          <p:cNvPicPr>
+            <a:picLocks noChangeAspect="1"/>
+          </p:cNvPicPr>
+          <p:nvPr/>
+        </p:nvPicPr>
+        <p:blipFill>
+          <a:blip r:embed="rId4">
+            <a:extLst>
+              <a:ext uri="{28A0092B-C50C-407E-A947-70E740481C1C}">
+                <a14:useLocalDpi xmlns:a14="http://schemas.microsoft.com/office/drawing/2010/main" val="0"/>
+              </a:ext>
+            </a:extLst>
+          </a:blip>
+          <a:stretch>
+            <a:fillRect/>
+          </a:stretch>
+        </p:blipFill>
+        <p:spPr>
+          <a:xfrm>
+            <a:off x="5707928" y="6019376"/>
+            <a:ext cx="3291845" cy="731521"/>
           </a:xfrm>
           <a:prstGeom prst="rect">
             <a:avLst/>
@@ -4478,6 +4535,36 @@
           </a:p>
         </p:txBody>
       </p:sp>
+      <p:pic>
+        <p:nvPicPr>
+          <p:cNvPr id="6" name="Picture 5" descr="logo.png"/>
+          <p:cNvPicPr>
+            <a:picLocks noChangeAspect="1"/>
+          </p:cNvPicPr>
+          <p:nvPr/>
+        </p:nvPicPr>
+        <p:blipFill>
+          <a:blip r:embed="rId2">
+            <a:extLst>
+              <a:ext uri="{28A0092B-C50C-407E-A947-70E740481C1C}">
+                <a14:useLocalDpi xmlns:a14="http://schemas.microsoft.com/office/drawing/2010/main" val="0"/>
+              </a:ext>
+            </a:extLst>
+          </a:blip>
+          <a:stretch>
+            <a:fillRect/>
+          </a:stretch>
+        </p:blipFill>
+        <p:spPr>
+          <a:xfrm>
+            <a:off x="5707928" y="6019376"/>
+            <a:ext cx="3291845" cy="731521"/>
+          </a:xfrm>
+          <a:prstGeom prst="rect">
+            <a:avLst/>
+          </a:prstGeom>
+        </p:spPr>
+      </p:pic>
     </p:spTree>
     <p:extLst>
       <p:ext uri="{BB962C8B-B14F-4D97-AF65-F5344CB8AC3E}">
@@ -4588,7 +4675,37 @@
         <p:spPr>
           <a:xfrm>
             <a:off x="382352" y="277826"/>
-            <a:ext cx="8316140" cy="5821114"/>
+            <a:ext cx="8316140" cy="5741550"/>
+          </a:xfrm>
+          <a:prstGeom prst="rect">
+            <a:avLst/>
+          </a:prstGeom>
+        </p:spPr>
+      </p:pic>
+      <p:pic>
+        <p:nvPicPr>
+          <p:cNvPr id="7" name="Picture 6" descr="logo.png"/>
+          <p:cNvPicPr>
+            <a:picLocks noChangeAspect="1"/>
+          </p:cNvPicPr>
+          <p:nvPr/>
+        </p:nvPicPr>
+        <p:blipFill>
+          <a:blip r:embed="rId3">
+            <a:extLst>
+              <a:ext uri="{28A0092B-C50C-407E-A947-70E740481C1C}">
+                <a14:useLocalDpi xmlns:a14="http://schemas.microsoft.com/office/drawing/2010/main" val="0"/>
+              </a:ext>
+            </a:extLst>
+          </a:blip>
+          <a:stretch>
+            <a:fillRect/>
+          </a:stretch>
+        </p:blipFill>
+        <p:spPr>
+          <a:xfrm>
+            <a:off x="5707928" y="6019376"/>
+            <a:ext cx="3291845" cy="731521"/>
           </a:xfrm>
           <a:prstGeom prst="rect">
             <a:avLst/>
@@ -4683,6 +4800,36 @@
           </a:p>
         </p:txBody>
       </p:sp>
+      <p:pic>
+        <p:nvPicPr>
+          <p:cNvPr id="5" name="Picture 4" descr="logo.png"/>
+          <p:cNvPicPr>
+            <a:picLocks noChangeAspect="1"/>
+          </p:cNvPicPr>
+          <p:nvPr/>
+        </p:nvPicPr>
+        <p:blipFill>
+          <a:blip r:embed="rId2">
+            <a:extLst>
+              <a:ext uri="{28A0092B-C50C-407E-A947-70E740481C1C}">
+                <a14:useLocalDpi xmlns:a14="http://schemas.microsoft.com/office/drawing/2010/main" val="0"/>
+              </a:ext>
+            </a:extLst>
+          </a:blip>
+          <a:stretch>
+            <a:fillRect/>
+          </a:stretch>
+        </p:blipFill>
+        <p:spPr>
+          <a:xfrm>
+            <a:off x="5707928" y="6019376"/>
+            <a:ext cx="3291845" cy="731521"/>
+          </a:xfrm>
+          <a:prstGeom prst="rect">
+            <a:avLst/>
+          </a:prstGeom>
+        </p:spPr>
+      </p:pic>
     </p:spTree>
     <p:extLst>
       <p:ext uri="{BB962C8B-B14F-4D97-AF65-F5344CB8AC3E}">
@@ -4849,6 +4996,36 @@
           </a:p>
         </p:txBody>
       </p:sp>
+      <p:pic>
+        <p:nvPicPr>
+          <p:cNvPr id="5" name="Picture 4" descr="logo.png"/>
+          <p:cNvPicPr>
+            <a:picLocks noChangeAspect="1"/>
+          </p:cNvPicPr>
+          <p:nvPr/>
+        </p:nvPicPr>
+        <p:blipFill>
+          <a:blip r:embed="rId4">
+            <a:extLst>
+              <a:ext uri="{28A0092B-C50C-407E-A947-70E740481C1C}">
+                <a14:useLocalDpi xmlns:a14="http://schemas.microsoft.com/office/drawing/2010/main" val="0"/>
+              </a:ext>
+            </a:extLst>
+          </a:blip>
+          <a:stretch>
+            <a:fillRect/>
+          </a:stretch>
+        </p:blipFill>
+        <p:spPr>
+          <a:xfrm>
+            <a:off x="5707928" y="6019376"/>
+            <a:ext cx="3291845" cy="731521"/>
+          </a:xfrm>
+          <a:prstGeom prst="rect">
+            <a:avLst/>
+          </a:prstGeom>
+        </p:spPr>
+      </p:pic>
     </p:spTree>
     <p:extLst>
       <p:ext uri="{BB962C8B-B14F-4D97-AF65-F5344CB8AC3E}">
@@ -4931,8 +5108,38 @@
         </p:blipFill>
         <p:spPr>
           <a:xfrm>
-            <a:off x="264459" y="165669"/>
-            <a:ext cx="8879542" cy="6364446"/>
+            <a:off x="437949" y="165669"/>
+            <a:ext cx="8481602" cy="5834625"/>
+          </a:xfrm>
+          <a:prstGeom prst="rect">
+            <a:avLst/>
+          </a:prstGeom>
+        </p:spPr>
+      </p:pic>
+      <p:pic>
+        <p:nvPicPr>
+          <p:cNvPr id="6" name="Picture 5" descr="logo.png"/>
+          <p:cNvPicPr>
+            <a:picLocks noChangeAspect="1"/>
+          </p:cNvPicPr>
+          <p:nvPr/>
+        </p:nvPicPr>
+        <p:blipFill>
+          <a:blip r:embed="rId3">
+            <a:extLst>
+              <a:ext uri="{28A0092B-C50C-407E-A947-70E740481C1C}">
+                <a14:useLocalDpi xmlns:a14="http://schemas.microsoft.com/office/drawing/2010/main" val="0"/>
+              </a:ext>
+            </a:extLst>
+          </a:blip>
+          <a:stretch>
+            <a:fillRect/>
+          </a:stretch>
+        </p:blipFill>
+        <p:spPr>
+          <a:xfrm>
+            <a:off x="5707928" y="6019376"/>
+            <a:ext cx="3291845" cy="731521"/>
           </a:xfrm>
           <a:prstGeom prst="rect">
             <a:avLst/>
@@ -5027,6 +5234,36 @@
           </a:p>
         </p:txBody>
       </p:sp>
+      <p:pic>
+        <p:nvPicPr>
+          <p:cNvPr id="6" name="Picture 5" descr="logo.png"/>
+          <p:cNvPicPr>
+            <a:picLocks noChangeAspect="1"/>
+          </p:cNvPicPr>
+          <p:nvPr/>
+        </p:nvPicPr>
+        <p:blipFill>
+          <a:blip r:embed="rId2">
+            <a:extLst>
+              <a:ext uri="{28A0092B-C50C-407E-A947-70E740481C1C}">
+                <a14:useLocalDpi xmlns:a14="http://schemas.microsoft.com/office/drawing/2010/main" val="0"/>
+              </a:ext>
+            </a:extLst>
+          </a:blip>
+          <a:stretch>
+            <a:fillRect/>
+          </a:stretch>
+        </p:blipFill>
+        <p:spPr>
+          <a:xfrm>
+            <a:off x="5707928" y="6019376"/>
+            <a:ext cx="3291845" cy="731521"/>
+          </a:xfrm>
+          <a:prstGeom prst="rect">
+            <a:avLst/>
+          </a:prstGeom>
+        </p:spPr>
+      </p:pic>
     </p:spTree>
     <p:extLst>
       <p:ext uri="{BB962C8B-B14F-4D97-AF65-F5344CB8AC3E}">
@@ -5176,6 +5413,36 @@
           </a:p>
         </p:txBody>
       </p:sp>
+      <p:pic>
+        <p:nvPicPr>
+          <p:cNvPr id="6" name="Picture 5" descr="logo.png"/>
+          <p:cNvPicPr>
+            <a:picLocks noChangeAspect="1"/>
+          </p:cNvPicPr>
+          <p:nvPr/>
+        </p:nvPicPr>
+        <p:blipFill>
+          <a:blip r:embed="rId2">
+            <a:extLst>
+              <a:ext uri="{28A0092B-C50C-407E-A947-70E740481C1C}">
+                <a14:useLocalDpi xmlns:a14="http://schemas.microsoft.com/office/drawing/2010/main" val="0"/>
+              </a:ext>
+            </a:extLst>
+          </a:blip>
+          <a:stretch>
+            <a:fillRect/>
+          </a:stretch>
+        </p:blipFill>
+        <p:spPr>
+          <a:xfrm>
+            <a:off x="5707928" y="6019376"/>
+            <a:ext cx="3291845" cy="731521"/>
+          </a:xfrm>
+          <a:prstGeom prst="rect">
+            <a:avLst/>
+          </a:prstGeom>
+        </p:spPr>
+      </p:pic>
     </p:spTree>
     <p:extLst>
       <p:ext uri="{BB962C8B-B14F-4D97-AF65-F5344CB8AC3E}">
@@ -5264,6 +5531,36 @@
           </a:p>
         </p:txBody>
       </p:sp>
+      <p:pic>
+        <p:nvPicPr>
+          <p:cNvPr id="6" name="Picture 5" descr="logo.png"/>
+          <p:cNvPicPr>
+            <a:picLocks noChangeAspect="1"/>
+          </p:cNvPicPr>
+          <p:nvPr/>
+        </p:nvPicPr>
+        <p:blipFill>
+          <a:blip r:embed="rId2">
+            <a:extLst>
+              <a:ext uri="{28A0092B-C50C-407E-A947-70E740481C1C}">
+                <a14:useLocalDpi xmlns:a14="http://schemas.microsoft.com/office/drawing/2010/main" val="0"/>
+              </a:ext>
+            </a:extLst>
+          </a:blip>
+          <a:stretch>
+            <a:fillRect/>
+          </a:stretch>
+        </p:blipFill>
+        <p:spPr>
+          <a:xfrm>
+            <a:off x="5707928" y="6019376"/>
+            <a:ext cx="3291845" cy="731521"/>
+          </a:xfrm>
+          <a:prstGeom prst="rect">
+            <a:avLst/>
+          </a:prstGeom>
+        </p:spPr>
+      </p:pic>
     </p:spTree>
     <p:extLst>
       <p:ext uri="{BB962C8B-B14F-4D97-AF65-F5344CB8AC3E}">
@@ -5491,6 +5788,36 @@
           </a:p>
         </p:txBody>
       </p:sp>
+      <p:pic>
+        <p:nvPicPr>
+          <p:cNvPr id="6" name="Picture 5" descr="logo.png"/>
+          <p:cNvPicPr>
+            <a:picLocks noChangeAspect="1"/>
+          </p:cNvPicPr>
+          <p:nvPr/>
+        </p:nvPicPr>
+        <p:blipFill>
+          <a:blip r:embed="rId2">
+            <a:extLst>
+              <a:ext uri="{28A0092B-C50C-407E-A947-70E740481C1C}">
+                <a14:useLocalDpi xmlns:a14="http://schemas.microsoft.com/office/drawing/2010/main" val="0"/>
+              </a:ext>
+            </a:extLst>
+          </a:blip>
+          <a:stretch>
+            <a:fillRect/>
+          </a:stretch>
+        </p:blipFill>
+        <p:spPr>
+          <a:xfrm>
+            <a:off x="5707928" y="6019376"/>
+            <a:ext cx="3291845" cy="731521"/>
+          </a:xfrm>
+          <a:prstGeom prst="rect">
+            <a:avLst/>
+          </a:prstGeom>
+        </p:spPr>
+      </p:pic>
     </p:spTree>
     <p:extLst>
       <p:ext uri="{BB962C8B-B14F-4D97-AF65-F5344CB8AC3E}">
@@ -5665,6 +5992,36 @@
           </a:p>
         </p:txBody>
       </p:sp>
+      <p:pic>
+        <p:nvPicPr>
+          <p:cNvPr id="6" name="Picture 5" descr="logo.png"/>
+          <p:cNvPicPr>
+            <a:picLocks noChangeAspect="1"/>
+          </p:cNvPicPr>
+          <p:nvPr/>
+        </p:nvPicPr>
+        <p:blipFill>
+          <a:blip r:embed="rId3">
+            <a:extLst>
+              <a:ext uri="{28A0092B-C50C-407E-A947-70E740481C1C}">
+                <a14:useLocalDpi xmlns:a14="http://schemas.microsoft.com/office/drawing/2010/main" val="0"/>
+              </a:ext>
+            </a:extLst>
+          </a:blip>
+          <a:stretch>
+            <a:fillRect/>
+          </a:stretch>
+        </p:blipFill>
+        <p:spPr>
+          <a:xfrm>
+            <a:off x="5707928" y="6019376"/>
+            <a:ext cx="3291845" cy="731521"/>
+          </a:xfrm>
+          <a:prstGeom prst="rect">
+            <a:avLst/>
+          </a:prstGeom>
+        </p:spPr>
+      </p:pic>
     </p:spTree>
     <p:extLst>
       <p:ext uri="{BB962C8B-B14F-4D97-AF65-F5344CB8AC3E}">
@@ -5805,13 +6162,55 @@
           <a:lstStyle/>
           <a:p>
             <a:r>
-              <a:rPr lang="en-US" smtClean="0"/>
-              <a:t>DevOps Meetup 2 - Nisum Technologies</a:t>
-            </a:r>
-            <a:endParaRPr lang="en-US"/>
-          </a:p>
-        </p:txBody>
-      </p:sp>
+              <a:rPr lang="en-US" dirty="0" err="1" smtClean="0"/>
+              <a:t>DevOps</a:t>
+            </a:r>
+            <a:r>
+              <a:rPr lang="en-US" dirty="0" smtClean="0"/>
+              <a:t> </a:t>
+            </a:r>
+            <a:r>
+              <a:rPr lang="en-US" dirty="0" err="1" smtClean="0"/>
+              <a:t>Meetup</a:t>
+            </a:r>
+            <a:r>
+              <a:rPr lang="en-US" dirty="0" smtClean="0"/>
+              <a:t> 2 - Nisum Technologies</a:t>
+            </a:r>
+            <a:endParaRPr lang="en-US" dirty="0"/>
+          </a:p>
+        </p:txBody>
+      </p:sp>
+      <p:pic>
+        <p:nvPicPr>
+          <p:cNvPr id="7" name="Picture 6" descr="logo.png"/>
+          <p:cNvPicPr>
+            <a:picLocks noChangeAspect="1"/>
+          </p:cNvPicPr>
+          <p:nvPr/>
+        </p:nvPicPr>
+        <p:blipFill>
+          <a:blip r:embed="rId2">
+            <a:extLst>
+              <a:ext uri="{28A0092B-C50C-407E-A947-70E740481C1C}">
+                <a14:useLocalDpi xmlns:a14="http://schemas.microsoft.com/office/drawing/2010/main" val="0"/>
+              </a:ext>
+            </a:extLst>
+          </a:blip>
+          <a:stretch>
+            <a:fillRect/>
+          </a:stretch>
+        </p:blipFill>
+        <p:spPr>
+          <a:xfrm>
+            <a:off x="5707928" y="6019376"/>
+            <a:ext cx="3291845" cy="731521"/>
+          </a:xfrm>
+          <a:prstGeom prst="rect">
+            <a:avLst/>
+          </a:prstGeom>
+        </p:spPr>
+      </p:pic>
     </p:spTree>
     <p:extLst>
       <p:ext uri="{BB962C8B-B14F-4D97-AF65-F5344CB8AC3E}">
@@ -6032,6 +6431,36 @@
           </a:p>
         </p:txBody>
       </p:sp>
+      <p:pic>
+        <p:nvPicPr>
+          <p:cNvPr id="6" name="Picture 5" descr="logo.png"/>
+          <p:cNvPicPr>
+            <a:picLocks noChangeAspect="1"/>
+          </p:cNvPicPr>
+          <p:nvPr/>
+        </p:nvPicPr>
+        <p:blipFill>
+          <a:blip r:embed="rId5">
+            <a:extLst>
+              <a:ext uri="{28A0092B-C50C-407E-A947-70E740481C1C}">
+                <a14:useLocalDpi xmlns:a14="http://schemas.microsoft.com/office/drawing/2010/main" val="0"/>
+              </a:ext>
+            </a:extLst>
+          </a:blip>
+          <a:stretch>
+            <a:fillRect/>
+          </a:stretch>
+        </p:blipFill>
+        <p:spPr>
+          <a:xfrm>
+            <a:off x="5707928" y="6019376"/>
+            <a:ext cx="3291845" cy="731521"/>
+          </a:xfrm>
+          <a:prstGeom prst="rect">
+            <a:avLst/>
+          </a:prstGeom>
+        </p:spPr>
+      </p:pic>
     </p:spTree>
     <p:extLst>
       <p:ext uri="{BB962C8B-B14F-4D97-AF65-F5344CB8AC3E}">
@@ -6150,6 +6579,36 @@
           </a:p>
         </p:txBody>
       </p:sp>
+      <p:pic>
+        <p:nvPicPr>
+          <p:cNvPr id="7" name="Picture 6" descr="logo.png"/>
+          <p:cNvPicPr>
+            <a:picLocks noChangeAspect="1"/>
+          </p:cNvPicPr>
+          <p:nvPr/>
+        </p:nvPicPr>
+        <p:blipFill>
+          <a:blip r:embed="rId3">
+            <a:extLst>
+              <a:ext uri="{28A0092B-C50C-407E-A947-70E740481C1C}">
+                <a14:useLocalDpi xmlns:a14="http://schemas.microsoft.com/office/drawing/2010/main" val="0"/>
+              </a:ext>
+            </a:extLst>
+          </a:blip>
+          <a:stretch>
+            <a:fillRect/>
+          </a:stretch>
+        </p:blipFill>
+        <p:spPr>
+          <a:xfrm>
+            <a:off x="5707928" y="6019376"/>
+            <a:ext cx="3291845" cy="731521"/>
+          </a:xfrm>
+          <a:prstGeom prst="rect">
+            <a:avLst/>
+          </a:prstGeom>
+        </p:spPr>
+      </p:pic>
     </p:spTree>
     <p:extLst>
       <p:ext uri="{BB962C8B-B14F-4D97-AF65-F5344CB8AC3E}">
@@ -6342,6 +6801,36 @@
           </a:p>
         </p:txBody>
       </p:sp>
+      <p:pic>
+        <p:nvPicPr>
+          <p:cNvPr id="6" name="Picture 5" descr="logo.png"/>
+          <p:cNvPicPr>
+            <a:picLocks noChangeAspect="1"/>
+          </p:cNvPicPr>
+          <p:nvPr/>
+        </p:nvPicPr>
+        <p:blipFill>
+          <a:blip r:embed="rId2">
+            <a:extLst>
+              <a:ext uri="{28A0092B-C50C-407E-A947-70E740481C1C}">
+                <a14:useLocalDpi xmlns:a14="http://schemas.microsoft.com/office/drawing/2010/main" val="0"/>
+              </a:ext>
+            </a:extLst>
+          </a:blip>
+          <a:stretch>
+            <a:fillRect/>
+          </a:stretch>
+        </p:blipFill>
+        <p:spPr>
+          <a:xfrm>
+            <a:off x="5707928" y="6019376"/>
+            <a:ext cx="3291845" cy="731521"/>
+          </a:xfrm>
+          <a:prstGeom prst="rect">
+            <a:avLst/>
+          </a:prstGeom>
+        </p:spPr>
+      </p:pic>
     </p:spTree>
     <p:extLst>
       <p:ext uri="{BB962C8B-B14F-4D97-AF65-F5344CB8AC3E}">
@@ -6438,6 +6927,36 @@
           </a:p>
         </p:txBody>
       </p:sp>
+      <p:pic>
+        <p:nvPicPr>
+          <p:cNvPr id="6" name="Picture 5" descr="logo.png"/>
+          <p:cNvPicPr>
+            <a:picLocks noChangeAspect="1"/>
+          </p:cNvPicPr>
+          <p:nvPr/>
+        </p:nvPicPr>
+        <p:blipFill>
+          <a:blip r:embed="rId2">
+            <a:extLst>
+              <a:ext uri="{28A0092B-C50C-407E-A947-70E740481C1C}">
+                <a14:useLocalDpi xmlns:a14="http://schemas.microsoft.com/office/drawing/2010/main" val="0"/>
+              </a:ext>
+            </a:extLst>
+          </a:blip>
+          <a:stretch>
+            <a:fillRect/>
+          </a:stretch>
+        </p:blipFill>
+        <p:spPr>
+          <a:xfrm>
+            <a:off x="5707928" y="6019376"/>
+            <a:ext cx="3291845" cy="731521"/>
+          </a:xfrm>
+          <a:prstGeom prst="rect">
+            <a:avLst/>
+          </a:prstGeom>
+        </p:spPr>
+      </p:pic>
     </p:spTree>
     <p:extLst>
       <p:ext uri="{BB962C8B-B14F-4D97-AF65-F5344CB8AC3E}">
@@ -6526,6 +7045,36 @@
             <a:off x="549275" y="948952"/>
             <a:ext cx="8042276" cy="4994649"/>
           </a:xfrm>
+        </p:spPr>
+      </p:pic>
+      <p:pic>
+        <p:nvPicPr>
+          <p:cNvPr id="6" name="Picture 5" descr="logo.png"/>
+          <p:cNvPicPr>
+            <a:picLocks noChangeAspect="1"/>
+          </p:cNvPicPr>
+          <p:nvPr/>
+        </p:nvPicPr>
+        <p:blipFill>
+          <a:blip r:embed="rId3">
+            <a:extLst>
+              <a:ext uri="{28A0092B-C50C-407E-A947-70E740481C1C}">
+                <a14:useLocalDpi xmlns:a14="http://schemas.microsoft.com/office/drawing/2010/main" val="0"/>
+              </a:ext>
+            </a:extLst>
+          </a:blip>
+          <a:stretch>
+            <a:fillRect/>
+          </a:stretch>
+        </p:blipFill>
+        <p:spPr>
+          <a:xfrm>
+            <a:off x="5707928" y="6019376"/>
+            <a:ext cx="3291845" cy="731521"/>
+          </a:xfrm>
+          <a:prstGeom prst="rect">
+            <a:avLst/>
+          </a:prstGeom>
         </p:spPr>
       </p:pic>
     </p:spTree>
@@ -6616,6 +7165,36 @@
             <a:off x="549275" y="949325"/>
             <a:ext cx="8042275" cy="5123965"/>
           </a:xfrm>
+        </p:spPr>
+      </p:pic>
+      <p:pic>
+        <p:nvPicPr>
+          <p:cNvPr id="6" name="Picture 5" descr="logo.png"/>
+          <p:cNvPicPr>
+            <a:picLocks noChangeAspect="1"/>
+          </p:cNvPicPr>
+          <p:nvPr/>
+        </p:nvPicPr>
+        <p:blipFill>
+          <a:blip r:embed="rId3">
+            <a:extLst>
+              <a:ext uri="{28A0092B-C50C-407E-A947-70E740481C1C}">
+                <a14:useLocalDpi xmlns:a14="http://schemas.microsoft.com/office/drawing/2010/main" val="0"/>
+              </a:ext>
+            </a:extLst>
+          </a:blip>
+          <a:stretch>
+            <a:fillRect/>
+          </a:stretch>
+        </p:blipFill>
+        <p:spPr>
+          <a:xfrm>
+            <a:off x="5707928" y="6019376"/>
+            <a:ext cx="3291845" cy="731521"/>
+          </a:xfrm>
+          <a:prstGeom prst="rect">
+            <a:avLst/>
+          </a:prstGeom>
         </p:spPr>
       </p:pic>
     </p:spTree>
@@ -6708,6 +7287,36 @@
           </a:p>
         </p:txBody>
       </p:sp>
+      <p:pic>
+        <p:nvPicPr>
+          <p:cNvPr id="7" name="Picture 6" descr="logo.png"/>
+          <p:cNvPicPr>
+            <a:picLocks noChangeAspect="1"/>
+          </p:cNvPicPr>
+          <p:nvPr/>
+        </p:nvPicPr>
+        <p:blipFill>
+          <a:blip r:embed="rId3">
+            <a:extLst>
+              <a:ext uri="{28A0092B-C50C-407E-A947-70E740481C1C}">
+                <a14:useLocalDpi xmlns:a14="http://schemas.microsoft.com/office/drawing/2010/main" val="0"/>
+              </a:ext>
+            </a:extLst>
+          </a:blip>
+          <a:stretch>
+            <a:fillRect/>
+          </a:stretch>
+        </p:blipFill>
+        <p:spPr>
+          <a:xfrm>
+            <a:off x="5707928" y="6019376"/>
+            <a:ext cx="3291845" cy="731521"/>
+          </a:xfrm>
+          <a:prstGeom prst="rect">
+            <a:avLst/>
+          </a:prstGeom>
+        </p:spPr>
+      </p:pic>
     </p:spTree>
     <p:extLst>
       <p:ext uri="{BB962C8B-B14F-4D97-AF65-F5344CB8AC3E}">
@@ -6916,6 +7525,36 @@
           </a:p>
         </p:txBody>
       </p:sp>
+      <p:pic>
+        <p:nvPicPr>
+          <p:cNvPr id="6" name="Picture 5" descr="logo.png"/>
+          <p:cNvPicPr>
+            <a:picLocks noChangeAspect="1"/>
+          </p:cNvPicPr>
+          <p:nvPr/>
+        </p:nvPicPr>
+        <p:blipFill>
+          <a:blip r:embed="rId2">
+            <a:extLst>
+              <a:ext uri="{28A0092B-C50C-407E-A947-70E740481C1C}">
+                <a14:useLocalDpi xmlns:a14="http://schemas.microsoft.com/office/drawing/2010/main" val="0"/>
+              </a:ext>
+            </a:extLst>
+          </a:blip>
+          <a:stretch>
+            <a:fillRect/>
+          </a:stretch>
+        </p:blipFill>
+        <p:spPr>
+          <a:xfrm>
+            <a:off x="5707928" y="6019376"/>
+            <a:ext cx="3291845" cy="731521"/>
+          </a:xfrm>
+          <a:prstGeom prst="rect">
+            <a:avLst/>
+          </a:prstGeom>
+        </p:spPr>
+      </p:pic>
     </p:spTree>
     <p:extLst>
       <p:ext uri="{BB962C8B-B14F-4D97-AF65-F5344CB8AC3E}">

--- a/Docker 101 - Nisum DevOps Meetup.pptx
+++ b/Docker 101 - Nisum DevOps Meetup.pptx
@@ -5,10 +5,10 @@
     <p:sldMasterId id="2147483660" r:id="rId1"/>
   </p:sldMasterIdLst>
   <p:notesMasterIdLst>
-    <p:notesMasterId r:id="rId22"/>
+    <p:notesMasterId r:id="rId23"/>
   </p:notesMasterIdLst>
   <p:handoutMasterIdLst>
-    <p:handoutMasterId r:id="rId23"/>
+    <p:handoutMasterId r:id="rId24"/>
   </p:handoutMasterIdLst>
   <p:sldIdLst>
     <p:sldId id="256" r:id="rId2"/>
@@ -19,18 +19,19 @@
     <p:sldId id="276" r:id="rId7"/>
     <p:sldId id="282" r:id="rId8"/>
     <p:sldId id="283" r:id="rId9"/>
-    <p:sldId id="277" r:id="rId10"/>
-    <p:sldId id="267" r:id="rId11"/>
-    <p:sldId id="265" r:id="rId12"/>
-    <p:sldId id="279" r:id="rId13"/>
-    <p:sldId id="268" r:id="rId14"/>
-    <p:sldId id="278" r:id="rId15"/>
-    <p:sldId id="281" r:id="rId16"/>
-    <p:sldId id="280" r:id="rId17"/>
-    <p:sldId id="269" r:id="rId18"/>
-    <p:sldId id="270" r:id="rId19"/>
-    <p:sldId id="271" r:id="rId20"/>
-    <p:sldId id="274" r:id="rId21"/>
+    <p:sldId id="284" r:id="rId10"/>
+    <p:sldId id="277" r:id="rId11"/>
+    <p:sldId id="267" r:id="rId12"/>
+    <p:sldId id="265" r:id="rId13"/>
+    <p:sldId id="279" r:id="rId14"/>
+    <p:sldId id="268" r:id="rId15"/>
+    <p:sldId id="278" r:id="rId16"/>
+    <p:sldId id="281" r:id="rId17"/>
+    <p:sldId id="280" r:id="rId18"/>
+    <p:sldId id="269" r:id="rId19"/>
+    <p:sldId id="270" r:id="rId20"/>
+    <p:sldId id="271" r:id="rId21"/>
+    <p:sldId id="274" r:id="rId22"/>
   </p:sldIdLst>
   <p:sldSz cx="9144000" cy="6858000" type="screen4x3"/>
   <p:notesSz cx="6858000" cy="9144000"/>
@@ -4356,11 +4357,7 @@
           <a:p>
             <a:r>
               <a:rPr lang="en-US" dirty="0" smtClean="0"/>
-              <a:t>Containerizing applications and </a:t>
-            </a:r>
-            <a:r>
-              <a:rPr lang="en-US" dirty="0" smtClean="0"/>
-              <a:t>services</a:t>
+              <a:t>Containerizing applications and services</a:t>
             </a:r>
           </a:p>
           <a:p>
@@ -4369,11 +4366,7 @@
           <a:p>
             <a:r>
               <a:rPr lang="en-US" b="1" dirty="0" smtClean="0"/>
-              <a:t>Presentation Date -1</a:t>
-            </a:r>
-            <a:r>
-              <a:rPr lang="en-US" b="1" dirty="0" smtClean="0"/>
-              <a:t>6</a:t>
+              <a:t>Presentation Date -16</a:t>
             </a:r>
             <a:r>
               <a:rPr lang="en-US" b="1" baseline="30000" dirty="0" smtClean="0"/>
@@ -4494,6 +4487,244 @@
             <p:ph type="title"/>
           </p:nvPr>
         </p:nvSpPr>
+        <p:spPr/>
+        <p:txBody>
+          <a:bodyPr/>
+          <a:lstStyle/>
+          <a:p>
+            <a:r>
+              <a:rPr lang="en-US" dirty="0" smtClean="0"/>
+              <a:t>Docker - Components</a:t>
+            </a:r>
+            <a:endParaRPr lang="en-US" dirty="0"/>
+          </a:p>
+        </p:txBody>
+      </p:sp>
+      <p:sp>
+        <p:nvSpPr>
+          <p:cNvPr id="3" name="Content Placeholder 2"/>
+          <p:cNvSpPr>
+            <a:spLocks noGrp="1"/>
+          </p:cNvSpPr>
+          <p:nvPr>
+            <p:ph idx="1"/>
+          </p:nvPr>
+        </p:nvSpPr>
+        <p:spPr/>
+        <p:txBody>
+          <a:bodyPr>
+            <a:normAutofit fontScale="77500" lnSpcReduction="20000"/>
+          </a:bodyPr>
+          <a:lstStyle/>
+          <a:p>
+            <a:r>
+              <a:rPr lang="en-US" dirty="0" smtClean="0"/>
+              <a:t>Docker Engine / Daemon</a:t>
+            </a:r>
+          </a:p>
+          <a:p>
+            <a:pPr lvl="1"/>
+            <a:r>
+              <a:rPr lang="en-US" dirty="0" smtClean="0"/>
+              <a:t>Runs on a Host</a:t>
+            </a:r>
+          </a:p>
+          <a:p>
+            <a:pPr lvl="1"/>
+            <a:r>
+              <a:rPr lang="en-US" dirty="0" smtClean="0"/>
+              <a:t>Can spin up Docker containers</a:t>
+            </a:r>
+          </a:p>
+          <a:p>
+            <a:r>
+              <a:rPr lang="en-US" dirty="0" smtClean="0"/>
+              <a:t>Docker Client</a:t>
+            </a:r>
+          </a:p>
+          <a:p>
+            <a:pPr lvl="1"/>
+            <a:r>
+              <a:rPr lang="en-US" dirty="0" smtClean="0"/>
+              <a:t>Used to instruct the Docker Engine</a:t>
+            </a:r>
+          </a:p>
+          <a:p>
+            <a:r>
+              <a:rPr lang="en-US" dirty="0" smtClean="0"/>
+              <a:t>Docker images &amp; containers</a:t>
+            </a:r>
+          </a:p>
+          <a:p>
+            <a:pPr lvl="1"/>
+            <a:r>
+              <a:rPr lang="en-US" dirty="0" smtClean="0"/>
+              <a:t>Docker image – based on Union File System</a:t>
+            </a:r>
+          </a:p>
+          <a:p>
+            <a:pPr lvl="2"/>
+            <a:r>
+              <a:rPr lang="en-US" dirty="0" smtClean="0"/>
+              <a:t>Shareable </a:t>
+            </a:r>
+          </a:p>
+          <a:p>
+            <a:pPr lvl="1"/>
+            <a:r>
+              <a:rPr lang="en-US" dirty="0" smtClean="0"/>
+              <a:t>Docker container – An Docker image in running state</a:t>
+            </a:r>
+          </a:p>
+          <a:p>
+            <a:pPr lvl="1"/>
+            <a:r>
+              <a:rPr lang="en-US" dirty="0" smtClean="0"/>
+              <a:t>“</a:t>
+            </a:r>
+            <a:r>
+              <a:rPr lang="en-US" b="1" dirty="0" smtClean="0"/>
+              <a:t>So you build an image and run a container off of it</a:t>
+            </a:r>
+            <a:r>
+              <a:rPr lang="en-US" dirty="0" smtClean="0"/>
+              <a:t>”</a:t>
+            </a:r>
+          </a:p>
+          <a:p>
+            <a:r>
+              <a:rPr lang="en-US" dirty="0" smtClean="0"/>
+              <a:t>Docker Registry</a:t>
+            </a:r>
+          </a:p>
+          <a:p>
+            <a:pPr lvl="1"/>
+            <a:r>
+              <a:rPr lang="en-US" dirty="0" smtClean="0"/>
+              <a:t>Like a </a:t>
+            </a:r>
+            <a:r>
+              <a:rPr lang="en-US" dirty="0" err="1" smtClean="0"/>
+              <a:t>git</a:t>
+            </a:r>
+            <a:r>
+              <a:rPr lang="en-US" dirty="0" smtClean="0"/>
+              <a:t>-repo for Docker images</a:t>
+            </a:r>
+          </a:p>
+          <a:p>
+            <a:pPr lvl="1"/>
+            <a:r>
+              <a:rPr lang="en-US" dirty="0" smtClean="0"/>
+              <a:t>Docker daemon talks to Registry to pull/push images</a:t>
+            </a:r>
+          </a:p>
+          <a:p>
+            <a:pPr lvl="1"/>
+            <a:endParaRPr lang="en-US" dirty="0"/>
+          </a:p>
+        </p:txBody>
+      </p:sp>
+      <p:sp>
+        <p:nvSpPr>
+          <p:cNvPr id="4" name="Footer Placeholder 3"/>
+          <p:cNvSpPr>
+            <a:spLocks noGrp="1"/>
+          </p:cNvSpPr>
+          <p:nvPr>
+            <p:ph type="ftr" sz="quarter" idx="11"/>
+          </p:nvPr>
+        </p:nvSpPr>
+        <p:spPr/>
+        <p:txBody>
+          <a:bodyPr/>
+          <a:lstStyle/>
+          <a:p>
+            <a:r>
+              <a:rPr lang="en-US" smtClean="0"/>
+              <a:t>DevOps Meetup 2 - Nisum Technologies</a:t>
+            </a:r>
+            <a:endParaRPr lang="en-US"/>
+          </a:p>
+        </p:txBody>
+      </p:sp>
+      <p:pic>
+        <p:nvPicPr>
+          <p:cNvPr id="6" name="Picture 5" descr="logo.png"/>
+          <p:cNvPicPr>
+            <a:picLocks noChangeAspect="1"/>
+          </p:cNvPicPr>
+          <p:nvPr/>
+        </p:nvPicPr>
+        <p:blipFill>
+          <a:blip r:embed="rId2">
+            <a:extLst>
+              <a:ext uri="{28A0092B-C50C-407E-A947-70E740481C1C}">
+                <a14:useLocalDpi xmlns:a14="http://schemas.microsoft.com/office/drawing/2010/main" val="0"/>
+              </a:ext>
+            </a:extLst>
+          </a:blip>
+          <a:stretch>
+            <a:fillRect/>
+          </a:stretch>
+        </p:blipFill>
+        <p:spPr>
+          <a:xfrm>
+            <a:off x="5707928" y="6019376"/>
+            <a:ext cx="3291845" cy="731521"/>
+          </a:xfrm>
+          <a:prstGeom prst="rect">
+            <a:avLst/>
+          </a:prstGeom>
+        </p:spPr>
+      </p:pic>
+    </p:spTree>
+    <p:extLst>
+      <p:ext uri="{BB962C8B-B14F-4D97-AF65-F5344CB8AC3E}">
+        <p14:creationId xmlns:p14="http://schemas.microsoft.com/office/powerpoint/2010/main" val="3327967339"/>
+      </p:ext>
+    </p:extLst>
+  </p:cSld>
+  <p:clrMapOvr>
+    <a:masterClrMapping/>
+  </p:clrMapOvr>
+  <p:timing>
+    <p:tnLst>
+      <p:par>
+        <p:cTn xmlns:p14="http://schemas.microsoft.com/office/powerpoint/2010/main" id="1" dur="indefinite" restart="never" nodeType="tmRoot"/>
+      </p:par>
+    </p:tnLst>
+  </p:timing>
+</p:sld>
+</file>
+
+<file path=ppt/slides/slide11.xml><?xml version="1.0" encoding="utf-8"?>
+<p:sld xmlns:a="http://schemas.openxmlformats.org/drawingml/2006/main" xmlns:r="http://schemas.openxmlformats.org/officeDocument/2006/relationships" xmlns:p="http://schemas.openxmlformats.org/presentationml/2006/main">
+  <p:cSld>
+    <p:spTree>
+      <p:nvGrpSpPr>
+        <p:cNvPr id="1" name=""/>
+        <p:cNvGrpSpPr/>
+        <p:nvPr/>
+      </p:nvGrpSpPr>
+      <p:grpSpPr>
+        <a:xfrm>
+          <a:off x="0" y="0"/>
+          <a:ext cx="0" cy="0"/>
+          <a:chOff x="0" y="0"/>
+          <a:chExt cx="0" cy="0"/>
+        </a:xfrm>
+      </p:grpSpPr>
+      <p:sp>
+        <p:nvSpPr>
+          <p:cNvPr id="2" name="Title 1"/>
+          <p:cNvSpPr>
+            <a:spLocks noGrp="1"/>
+          </p:cNvSpPr>
+          <p:nvPr>
+            <p:ph type="title"/>
+          </p:nvPr>
+        </p:nvSpPr>
         <p:spPr>
           <a:xfrm>
             <a:off x="549275" y="2409580"/>
@@ -4585,7 +4816,7 @@
 </p:sld>
 </file>
 
-<file path=ppt/slides/slide11.xml><?xml version="1.0" encoding="utf-8"?>
+<file path=ppt/slides/slide12.xml><?xml version="1.0" encoding="utf-8"?>
 <p:sld xmlns:a="http://schemas.openxmlformats.org/drawingml/2006/main" xmlns:r="http://schemas.openxmlformats.org/officeDocument/2006/relationships" xmlns:p="http://schemas.openxmlformats.org/presentationml/2006/main">
   <p:cSld>
     <p:spTree>
@@ -4732,7 +4963,7 @@
 </p:sld>
 </file>
 
-<file path=ppt/slides/slide12.xml><?xml version="1.0" encoding="utf-8"?>
+<file path=ppt/slides/slide13.xml><?xml version="1.0" encoding="utf-8"?>
 <p:sld xmlns:a="http://schemas.openxmlformats.org/drawingml/2006/main" xmlns:r="http://schemas.openxmlformats.org/officeDocument/2006/relationships" xmlns:p="http://schemas.openxmlformats.org/presentationml/2006/main">
   <p:cSld>
     <p:spTree>
@@ -4850,7 +5081,7 @@
 </p:sld>
 </file>
 
-<file path=ppt/slides/slide13.xml><?xml version="1.0" encoding="utf-8"?>
+<file path=ppt/slides/slide14.xml><?xml version="1.0" encoding="utf-8"?>
 <p:sld xmlns:a="http://schemas.openxmlformats.org/drawingml/2006/main" xmlns:r="http://schemas.openxmlformats.org/officeDocument/2006/relationships" xmlns:p="http://schemas.openxmlformats.org/presentationml/2006/main">
   <p:cSld>
     <p:spTree>
@@ -5046,7 +5277,7 @@
 </p:sld>
 </file>
 
-<file path=ppt/slides/slide14.xml><?xml version="1.0" encoding="utf-8"?>
+<file path=ppt/slides/slide15.xml><?xml version="1.0" encoding="utf-8"?>
 <p:sld xmlns:a="http://schemas.openxmlformats.org/drawingml/2006/main" xmlns:r="http://schemas.openxmlformats.org/officeDocument/2006/relationships" xmlns:p="http://schemas.openxmlformats.org/presentationml/2006/main">
   <p:cSld>
     <p:spTree>
@@ -5166,7 +5397,7 @@
 </p:sld>
 </file>
 
-<file path=ppt/slides/slide15.xml><?xml version="1.0" encoding="utf-8"?>
+<file path=ppt/slides/slide16.xml><?xml version="1.0" encoding="utf-8"?>
 <p:sld xmlns:a="http://schemas.openxmlformats.org/drawingml/2006/main" xmlns:r="http://schemas.openxmlformats.org/officeDocument/2006/relationships" xmlns:p="http://schemas.openxmlformats.org/presentationml/2006/main">
   <p:cSld>
     <p:spTree>
@@ -5284,7 +5515,7 @@
 </p:sld>
 </file>
 
-<file path=ppt/slides/slide16.xml><?xml version="1.0" encoding="utf-8"?>
+<file path=ppt/slides/slide17.xml><?xml version="1.0" encoding="utf-8"?>
 <p:sld xmlns:a="http://schemas.openxmlformats.org/drawingml/2006/main" xmlns:r="http://schemas.openxmlformats.org/officeDocument/2006/relationships" xmlns:p="http://schemas.openxmlformats.org/presentationml/2006/main">
   <p:cSld>
     <p:spTree>
@@ -5463,7 +5694,7 @@
 </p:sld>
 </file>
 
-<file path=ppt/slides/slide17.xml><?xml version="1.0" encoding="utf-8"?>
+<file path=ppt/slides/slide18.xml><?xml version="1.0" encoding="utf-8"?>
 <p:sld xmlns:a="http://schemas.openxmlformats.org/drawingml/2006/main" xmlns:r="http://schemas.openxmlformats.org/officeDocument/2006/relationships" xmlns:p="http://schemas.openxmlformats.org/presentationml/2006/main">
   <p:cSld>
     <p:spTree>
@@ -5581,7 +5812,7 @@
 </p:sld>
 </file>
 
-<file path=ppt/slides/slide18.xml><?xml version="1.0" encoding="utf-8"?>
+<file path=ppt/slides/slide19.xml><?xml version="1.0" encoding="utf-8"?>
 <p:sld xmlns:a="http://schemas.openxmlformats.org/drawingml/2006/main" xmlns:r="http://schemas.openxmlformats.org/officeDocument/2006/relationships" xmlns:p="http://schemas.openxmlformats.org/presentationml/2006/main">
   <p:cSld>
     <p:spTree>
@@ -5838,210 +6069,6 @@
 </p:sld>
 </file>
 
-<file path=ppt/slides/slide19.xml><?xml version="1.0" encoding="utf-8"?>
-<p:sld xmlns:a="http://schemas.openxmlformats.org/drawingml/2006/main" xmlns:r="http://schemas.openxmlformats.org/officeDocument/2006/relationships" xmlns:p="http://schemas.openxmlformats.org/presentationml/2006/main">
-  <p:cSld>
-    <p:spTree>
-      <p:nvGrpSpPr>
-        <p:cNvPr id="1" name=""/>
-        <p:cNvGrpSpPr/>
-        <p:nvPr/>
-      </p:nvGrpSpPr>
-      <p:grpSpPr>
-        <a:xfrm>
-          <a:off x="0" y="0"/>
-          <a:ext cx="0" cy="0"/>
-          <a:chOff x="0" y="0"/>
-          <a:chExt cx="0" cy="0"/>
-        </a:xfrm>
-      </p:grpSpPr>
-      <p:sp>
-        <p:nvSpPr>
-          <p:cNvPr id="3" name="Content Placeholder 2"/>
-          <p:cNvSpPr>
-            <a:spLocks noGrp="1"/>
-          </p:cNvSpPr>
-          <p:nvPr>
-            <p:ph idx="1"/>
-          </p:nvPr>
-        </p:nvSpPr>
-        <p:spPr>
-          <a:xfrm>
-            <a:off x="549275" y="224907"/>
-            <a:ext cx="8042276" cy="5718694"/>
-          </a:xfrm>
-        </p:spPr>
-        <p:txBody>
-          <a:bodyPr/>
-          <a:lstStyle/>
-          <a:p>
-            <a:r>
-              <a:rPr lang="en-US" dirty="0" smtClean="0"/>
-              <a:t>To stop the running container</a:t>
-            </a:r>
-          </a:p>
-          <a:p>
-            <a:pPr lvl="1"/>
-            <a:r>
-              <a:rPr lang="en-US" dirty="0" smtClean="0"/>
-              <a:t>$ </a:t>
-            </a:r>
-            <a:r>
-              <a:rPr lang="en-US" dirty="0" err="1" smtClean="0"/>
-              <a:t>docker</a:t>
-            </a:r>
-            <a:r>
-              <a:rPr lang="en-US" dirty="0" smtClean="0"/>
-              <a:t> stop &lt;</a:t>
-            </a:r>
-            <a:r>
-              <a:rPr lang="en-US" dirty="0" err="1" smtClean="0"/>
-              <a:t>container_id</a:t>
-            </a:r>
-            <a:r>
-              <a:rPr lang="en-US" dirty="0" smtClean="0"/>
-              <a:t>/name&gt;</a:t>
-            </a:r>
-          </a:p>
-          <a:p>
-            <a:r>
-              <a:rPr lang="en-US" dirty="0" smtClean="0"/>
-              <a:t>To start the running container</a:t>
-            </a:r>
-          </a:p>
-          <a:p>
-            <a:pPr lvl="1"/>
-            <a:r>
-              <a:rPr lang="en-US" dirty="0" smtClean="0"/>
-              <a:t>$ </a:t>
-            </a:r>
-            <a:r>
-              <a:rPr lang="en-US" dirty="0" err="1" smtClean="0"/>
-              <a:t>docker</a:t>
-            </a:r>
-            <a:r>
-              <a:rPr lang="en-US" dirty="0" smtClean="0"/>
-              <a:t> restart &lt;container-id/name&gt;</a:t>
-            </a:r>
-          </a:p>
-          <a:p>
-            <a:r>
-              <a:rPr lang="en-US" dirty="0" smtClean="0"/>
-              <a:t>If the container was originally launched with interactive option then do the following also</a:t>
-            </a:r>
-          </a:p>
-          <a:p>
-            <a:pPr lvl="1"/>
-            <a:r>
-              <a:rPr lang="en-US" dirty="0" smtClean="0"/>
-              <a:t>$ </a:t>
-            </a:r>
-            <a:r>
-              <a:rPr lang="en-US" dirty="0" err="1" smtClean="0"/>
-              <a:t>docker</a:t>
-            </a:r>
-            <a:r>
-              <a:rPr lang="en-US" dirty="0" smtClean="0"/>
-              <a:t> attach &lt;container-id&gt;</a:t>
-            </a:r>
-          </a:p>
-          <a:p>
-            <a:pPr marL="349250" lvl="1" indent="0">
-              <a:buNone/>
-            </a:pPr>
-            <a:endParaRPr lang="en-US" dirty="0" smtClean="0"/>
-          </a:p>
-          <a:p>
-            <a:pPr marL="12700" indent="0">
-              <a:buNone/>
-            </a:pPr>
-            <a:r>
-              <a:rPr lang="en-US" dirty="0" smtClean="0"/>
-              <a:t>There are many more commands that can be found at </a:t>
-            </a:r>
-            <a:r>
-              <a:rPr lang="en-US" dirty="0" smtClean="0">
-                <a:hlinkClick r:id="rId2"/>
-              </a:rPr>
-              <a:t>link:Docker-commands</a:t>
-            </a:r>
-            <a:endParaRPr lang="en-US" dirty="0"/>
-          </a:p>
-        </p:txBody>
-      </p:sp>
-      <p:sp>
-        <p:nvSpPr>
-          <p:cNvPr id="4" name="Footer Placeholder 3"/>
-          <p:cNvSpPr>
-            <a:spLocks noGrp="1"/>
-          </p:cNvSpPr>
-          <p:nvPr>
-            <p:ph type="ftr" sz="quarter" idx="11"/>
-          </p:nvPr>
-        </p:nvSpPr>
-        <p:spPr/>
-        <p:txBody>
-          <a:bodyPr/>
-          <a:lstStyle/>
-          <a:p>
-            <a:r>
-              <a:rPr lang="en-US" smtClean="0"/>
-              <a:t>DevOps Meetup 2 - Nisum Technologies</a:t>
-            </a:r>
-            <a:endParaRPr lang="en-US"/>
-          </a:p>
-        </p:txBody>
-      </p:sp>
-      <p:pic>
-        <p:nvPicPr>
-          <p:cNvPr id="6" name="Picture 5" descr="logo.png"/>
-          <p:cNvPicPr>
-            <a:picLocks noChangeAspect="1"/>
-          </p:cNvPicPr>
-          <p:nvPr/>
-        </p:nvPicPr>
-        <p:blipFill>
-          <a:blip r:embed="rId3">
-            <a:extLst>
-              <a:ext uri="{28A0092B-C50C-407E-A947-70E740481C1C}">
-                <a14:useLocalDpi xmlns:a14="http://schemas.microsoft.com/office/drawing/2010/main" val="0"/>
-              </a:ext>
-            </a:extLst>
-          </a:blip>
-          <a:stretch>
-            <a:fillRect/>
-          </a:stretch>
-        </p:blipFill>
-        <p:spPr>
-          <a:xfrm>
-            <a:off x="5707928" y="6019376"/>
-            <a:ext cx="3291845" cy="731521"/>
-          </a:xfrm>
-          <a:prstGeom prst="rect">
-            <a:avLst/>
-          </a:prstGeom>
-        </p:spPr>
-      </p:pic>
-    </p:spTree>
-    <p:extLst>
-      <p:ext uri="{BB962C8B-B14F-4D97-AF65-F5344CB8AC3E}">
-        <p14:creationId xmlns:p14="http://schemas.microsoft.com/office/powerpoint/2010/main" val="923017943"/>
-      </p:ext>
-    </p:extLst>
-  </p:cSld>
-  <p:clrMapOvr>
-    <a:masterClrMapping/>
-  </p:clrMapOvr>
-  <p:timing>
-    <p:tnLst>
-      <p:par>
-        <p:cTn xmlns:p14="http://schemas.microsoft.com/office/powerpoint/2010/main" id="1" dur="indefinite" restart="never" nodeType="tmRoot"/>
-      </p:par>
-    </p:tnLst>
-  </p:timing>
-</p:sld>
-</file>
-
 <file path=ppt/slides/slide2.xml><?xml version="1.0" encoding="utf-8"?>
 <p:sld xmlns:a="http://schemas.openxmlformats.org/drawingml/2006/main" xmlns:r="http://schemas.openxmlformats.org/officeDocument/2006/relationships" xmlns:p="http://schemas.openxmlformats.org/presentationml/2006/main">
   <p:cSld>
@@ -6156,7 +6183,12 @@
             <p:ph type="ftr" sz="quarter" idx="11"/>
           </p:nvPr>
         </p:nvSpPr>
-        <p:spPr/>
+        <p:spPr>
+          <a:xfrm>
+            <a:off x="264458" y="6275668"/>
+            <a:ext cx="4840941" cy="365125"/>
+          </a:xfrm>
+        </p:spPr>
         <p:txBody>
           <a:bodyPr/>
           <a:lstStyle/>
@@ -6175,7 +6207,11 @@
             </a:r>
             <a:r>
               <a:rPr lang="en-US" dirty="0" smtClean="0"/>
-              <a:t> 2 - Nisum Technologies</a:t>
+              <a:t> </a:t>
+            </a:r>
+            <a:r>
+              <a:rPr lang="en-US" dirty="0" smtClean="0"/>
+              <a:t>2 - Nisum Technologies</a:t>
             </a:r>
             <a:endParaRPr lang="en-US" dirty="0"/>
           </a:p>
@@ -6250,6 +6286,210 @@
       </p:grpSpPr>
       <p:sp>
         <p:nvSpPr>
+          <p:cNvPr id="3" name="Content Placeholder 2"/>
+          <p:cNvSpPr>
+            <a:spLocks noGrp="1"/>
+          </p:cNvSpPr>
+          <p:nvPr>
+            <p:ph idx="1"/>
+          </p:nvPr>
+        </p:nvSpPr>
+        <p:spPr>
+          <a:xfrm>
+            <a:off x="549275" y="224907"/>
+            <a:ext cx="8042276" cy="5718694"/>
+          </a:xfrm>
+        </p:spPr>
+        <p:txBody>
+          <a:bodyPr/>
+          <a:lstStyle/>
+          <a:p>
+            <a:r>
+              <a:rPr lang="en-US" dirty="0" smtClean="0"/>
+              <a:t>To stop the running container</a:t>
+            </a:r>
+          </a:p>
+          <a:p>
+            <a:pPr lvl="1"/>
+            <a:r>
+              <a:rPr lang="en-US" dirty="0" smtClean="0"/>
+              <a:t>$ </a:t>
+            </a:r>
+            <a:r>
+              <a:rPr lang="en-US" dirty="0" err="1" smtClean="0"/>
+              <a:t>docker</a:t>
+            </a:r>
+            <a:r>
+              <a:rPr lang="en-US" dirty="0" smtClean="0"/>
+              <a:t> stop &lt;</a:t>
+            </a:r>
+            <a:r>
+              <a:rPr lang="en-US" dirty="0" err="1" smtClean="0"/>
+              <a:t>container_id</a:t>
+            </a:r>
+            <a:r>
+              <a:rPr lang="en-US" dirty="0" smtClean="0"/>
+              <a:t>/name&gt;</a:t>
+            </a:r>
+          </a:p>
+          <a:p>
+            <a:r>
+              <a:rPr lang="en-US" dirty="0" smtClean="0"/>
+              <a:t>To start the running container</a:t>
+            </a:r>
+          </a:p>
+          <a:p>
+            <a:pPr lvl="1"/>
+            <a:r>
+              <a:rPr lang="en-US" dirty="0" smtClean="0"/>
+              <a:t>$ </a:t>
+            </a:r>
+            <a:r>
+              <a:rPr lang="en-US" dirty="0" err="1" smtClean="0"/>
+              <a:t>docker</a:t>
+            </a:r>
+            <a:r>
+              <a:rPr lang="en-US" dirty="0" smtClean="0"/>
+              <a:t> restart &lt;container-id/name&gt;</a:t>
+            </a:r>
+          </a:p>
+          <a:p>
+            <a:r>
+              <a:rPr lang="en-US" dirty="0" smtClean="0"/>
+              <a:t>If the container was originally launched with interactive option then do the following also</a:t>
+            </a:r>
+          </a:p>
+          <a:p>
+            <a:pPr lvl="1"/>
+            <a:r>
+              <a:rPr lang="en-US" dirty="0" smtClean="0"/>
+              <a:t>$ </a:t>
+            </a:r>
+            <a:r>
+              <a:rPr lang="en-US" dirty="0" err="1" smtClean="0"/>
+              <a:t>docker</a:t>
+            </a:r>
+            <a:r>
+              <a:rPr lang="en-US" dirty="0" smtClean="0"/>
+              <a:t> attach &lt;container-id&gt;</a:t>
+            </a:r>
+          </a:p>
+          <a:p>
+            <a:pPr marL="349250" lvl="1" indent="0">
+              <a:buNone/>
+            </a:pPr>
+            <a:endParaRPr lang="en-US" dirty="0" smtClean="0"/>
+          </a:p>
+          <a:p>
+            <a:pPr marL="12700" indent="0">
+              <a:buNone/>
+            </a:pPr>
+            <a:r>
+              <a:rPr lang="en-US" dirty="0" smtClean="0"/>
+              <a:t>There are many more commands that can be found at </a:t>
+            </a:r>
+            <a:r>
+              <a:rPr lang="en-US" dirty="0" smtClean="0">
+                <a:hlinkClick r:id="rId2"/>
+              </a:rPr>
+              <a:t>link:Docker-commands</a:t>
+            </a:r>
+            <a:endParaRPr lang="en-US" dirty="0"/>
+          </a:p>
+        </p:txBody>
+      </p:sp>
+      <p:sp>
+        <p:nvSpPr>
+          <p:cNvPr id="4" name="Footer Placeholder 3"/>
+          <p:cNvSpPr>
+            <a:spLocks noGrp="1"/>
+          </p:cNvSpPr>
+          <p:nvPr>
+            <p:ph type="ftr" sz="quarter" idx="11"/>
+          </p:nvPr>
+        </p:nvSpPr>
+        <p:spPr/>
+        <p:txBody>
+          <a:bodyPr/>
+          <a:lstStyle/>
+          <a:p>
+            <a:r>
+              <a:rPr lang="en-US" smtClean="0"/>
+              <a:t>DevOps Meetup 2 - Nisum Technologies</a:t>
+            </a:r>
+            <a:endParaRPr lang="en-US"/>
+          </a:p>
+        </p:txBody>
+      </p:sp>
+      <p:pic>
+        <p:nvPicPr>
+          <p:cNvPr id="6" name="Picture 5" descr="logo.png"/>
+          <p:cNvPicPr>
+            <a:picLocks noChangeAspect="1"/>
+          </p:cNvPicPr>
+          <p:nvPr/>
+        </p:nvPicPr>
+        <p:blipFill>
+          <a:blip r:embed="rId3">
+            <a:extLst>
+              <a:ext uri="{28A0092B-C50C-407E-A947-70E740481C1C}">
+                <a14:useLocalDpi xmlns:a14="http://schemas.microsoft.com/office/drawing/2010/main" val="0"/>
+              </a:ext>
+            </a:extLst>
+          </a:blip>
+          <a:stretch>
+            <a:fillRect/>
+          </a:stretch>
+        </p:blipFill>
+        <p:spPr>
+          <a:xfrm>
+            <a:off x="5707928" y="6019376"/>
+            <a:ext cx="3291845" cy="731521"/>
+          </a:xfrm>
+          <a:prstGeom prst="rect">
+            <a:avLst/>
+          </a:prstGeom>
+        </p:spPr>
+      </p:pic>
+    </p:spTree>
+    <p:extLst>
+      <p:ext uri="{BB962C8B-B14F-4D97-AF65-F5344CB8AC3E}">
+        <p14:creationId xmlns:p14="http://schemas.microsoft.com/office/powerpoint/2010/main" val="923017943"/>
+      </p:ext>
+    </p:extLst>
+  </p:cSld>
+  <p:clrMapOvr>
+    <a:masterClrMapping/>
+  </p:clrMapOvr>
+  <p:timing>
+    <p:tnLst>
+      <p:par>
+        <p:cTn xmlns:p14="http://schemas.microsoft.com/office/powerpoint/2010/main" id="1" dur="indefinite" restart="never" nodeType="tmRoot"/>
+      </p:par>
+    </p:tnLst>
+  </p:timing>
+</p:sld>
+</file>
+
+<file path=ppt/slides/slide21.xml><?xml version="1.0" encoding="utf-8"?>
+<p:sld xmlns:a="http://schemas.openxmlformats.org/drawingml/2006/main" xmlns:r="http://schemas.openxmlformats.org/officeDocument/2006/relationships" xmlns:p="http://schemas.openxmlformats.org/presentationml/2006/main">
+  <p:cSld>
+    <p:spTree>
+      <p:nvGrpSpPr>
+        <p:cNvPr id="1" name=""/>
+        <p:cNvGrpSpPr/>
+        <p:nvPr/>
+      </p:nvGrpSpPr>
+      <p:grpSpPr>
+        <a:xfrm>
+          <a:off x="0" y="0"/>
+          <a:ext cx="0" cy="0"/>
+          <a:chOff x="0" y="0"/>
+          <a:chExt cx="0" cy="0"/>
+        </a:xfrm>
+      </p:grpSpPr>
+      <p:sp>
+        <p:nvSpPr>
           <p:cNvPr id="2" name="Title 1"/>
           <p:cNvSpPr>
             <a:spLocks noGrp="1"/>
@@ -6890,7 +7130,7 @@
           <a:p>
             <a:r>
               <a:rPr lang="en-US" dirty="0" smtClean="0"/>
-              <a:t>Docker </a:t>
+              <a:t>Docker Containers </a:t>
             </a:r>
             <a:r>
               <a:rPr lang="en-US" dirty="0" err="1" smtClean="0"/>
@@ -7356,148 +7596,46 @@
       </p:grpSpPr>
       <p:sp>
         <p:nvSpPr>
-          <p:cNvPr id="2" name="Title 1"/>
-          <p:cNvSpPr>
-            <a:spLocks noGrp="1"/>
-          </p:cNvSpPr>
-          <p:nvPr>
-            <p:ph type="title"/>
-          </p:nvPr>
-        </p:nvSpPr>
-        <p:spPr/>
+          <p:cNvPr id="3" name="Content Placeholder 2"/>
+          <p:cNvSpPr>
+            <a:spLocks noGrp="1"/>
+          </p:cNvSpPr>
+          <p:nvPr>
+            <p:ph idx="1"/>
+          </p:nvPr>
+        </p:nvSpPr>
+        <p:spPr>
+          <a:xfrm>
+            <a:off x="549275" y="764975"/>
+            <a:ext cx="8042276" cy="5178626"/>
+          </a:xfrm>
+        </p:spPr>
         <p:txBody>
           <a:bodyPr/>
           <a:lstStyle/>
           <a:p>
             <a:r>
               <a:rPr lang="en-US" dirty="0" smtClean="0"/>
-              <a:t>Docker - Components</a:t>
-            </a:r>
-            <a:endParaRPr lang="en-US" dirty="0"/>
-          </a:p>
-        </p:txBody>
-      </p:sp>
-      <p:sp>
-        <p:nvSpPr>
-          <p:cNvPr id="3" name="Content Placeholder 2"/>
-          <p:cNvSpPr>
-            <a:spLocks noGrp="1"/>
-          </p:cNvSpPr>
-          <p:nvPr>
-            <p:ph idx="1"/>
-          </p:nvPr>
-        </p:nvSpPr>
-        <p:spPr/>
-        <p:txBody>
-          <a:bodyPr>
-            <a:normAutofit fontScale="77500" lnSpcReduction="20000"/>
-          </a:bodyPr>
-          <a:lstStyle/>
-          <a:p>
-            <a:r>
-              <a:rPr lang="en-US" dirty="0" smtClean="0"/>
-              <a:t>Docker Engine / Daemon</a:t>
-            </a:r>
-          </a:p>
-          <a:p>
-            <a:pPr lvl="1"/>
-            <a:r>
-              <a:rPr lang="en-US" dirty="0" smtClean="0"/>
-              <a:t>Runs on a Host</a:t>
-            </a:r>
-          </a:p>
-          <a:p>
-            <a:pPr lvl="1"/>
-            <a:r>
-              <a:rPr lang="en-US" dirty="0" smtClean="0"/>
-              <a:t>Can spin up Docker containers</a:t>
-            </a:r>
-          </a:p>
-          <a:p>
-            <a:r>
-              <a:rPr lang="en-US" dirty="0" smtClean="0"/>
-              <a:t>Docker Client</a:t>
-            </a:r>
-          </a:p>
-          <a:p>
-            <a:pPr lvl="1"/>
-            <a:r>
-              <a:rPr lang="en-US" dirty="0" smtClean="0"/>
-              <a:t>Used to instruct the Docker Engine</a:t>
-            </a:r>
-          </a:p>
-          <a:p>
-            <a:r>
-              <a:rPr lang="en-US" dirty="0" smtClean="0"/>
-              <a:t>Docker images &amp; containers</a:t>
-            </a:r>
-          </a:p>
-          <a:p>
-            <a:pPr lvl="1"/>
-            <a:r>
-              <a:rPr lang="en-US" dirty="0" smtClean="0"/>
-              <a:t>Docker image – based on Union File System</a:t>
-            </a:r>
-          </a:p>
-          <a:p>
-            <a:pPr lvl="2"/>
-            <a:r>
-              <a:rPr lang="en-US" dirty="0" smtClean="0"/>
-              <a:t>Shareable </a:t>
-            </a:r>
-          </a:p>
-          <a:p>
-            <a:pPr lvl="1"/>
-            <a:r>
-              <a:rPr lang="en-US" dirty="0" smtClean="0"/>
-              <a:t>Docker container – An Docker image in running state</a:t>
-            </a:r>
-          </a:p>
-          <a:p>
-            <a:pPr lvl="1"/>
-            <a:r>
-              <a:rPr lang="en-US" dirty="0" smtClean="0"/>
-              <a:t>“</a:t>
+              <a:t>Read more about </a:t>
             </a:r>
             <a:r>
               <a:rPr lang="en-US" b="1" dirty="0" smtClean="0"/>
-              <a:t>So you build an image and run a container off of it</a:t>
-            </a:r>
-            <a:r>
-              <a:rPr lang="en-US" dirty="0" smtClean="0"/>
-              <a:t>”</a:t>
-            </a:r>
-          </a:p>
-          <a:p>
-            <a:r>
-              <a:rPr lang="en-US" dirty="0" smtClean="0"/>
-              <a:t>Docker Registry</a:t>
-            </a:r>
-          </a:p>
-          <a:p>
-            <a:pPr lvl="1"/>
-            <a:r>
-              <a:rPr lang="en-US" dirty="0" smtClean="0"/>
-              <a:t>Like a </a:t>
-            </a:r>
-            <a:r>
-              <a:rPr lang="en-US" dirty="0" err="1" smtClean="0"/>
-              <a:t>git</a:t>
-            </a:r>
-            <a:r>
-              <a:rPr lang="en-US" dirty="0" smtClean="0"/>
-              <a:t>-repo for Docker images</a:t>
-            </a:r>
-          </a:p>
-          <a:p>
-            <a:pPr lvl="1"/>
-            <a:r>
-              <a:rPr lang="en-US" dirty="0" smtClean="0"/>
-              <a:t>Docker daemon talks to Registry to pull/push images</a:t>
-            </a:r>
-          </a:p>
-          <a:p>
-            <a:pPr lvl="1"/>
+              <a:t>Docker Container </a:t>
+            </a:r>
+            <a:r>
+              <a:rPr lang="en-US" b="1" dirty="0" err="1" smtClean="0"/>
+              <a:t>vs</a:t>
+            </a:r>
+            <a:r>
+              <a:rPr lang="en-US" b="1" dirty="0" smtClean="0"/>
+              <a:t> VM </a:t>
+            </a:r>
+            <a:r>
+              <a:rPr lang="en-US" dirty="0" smtClean="0">
+                <a:hlinkClick r:id="rId2"/>
+              </a:rPr>
+              <a:t>here</a:t>
+            </a:r>
             <a:endParaRPr lang="en-US" dirty="0"/>
           </a:p>
         </p:txBody>
@@ -7527,14 +7665,14 @@
       </p:sp>
       <p:pic>
         <p:nvPicPr>
-          <p:cNvPr id="6" name="Picture 5" descr="logo.png"/>
+          <p:cNvPr id="5" name="Picture 4" descr="logo.png"/>
           <p:cNvPicPr>
             <a:picLocks noChangeAspect="1"/>
           </p:cNvPicPr>
           <p:nvPr/>
         </p:nvPicPr>
         <p:blipFill>
-          <a:blip r:embed="rId2">
+          <a:blip r:embed="rId3">
             <a:extLst>
               <a:ext uri="{28A0092B-C50C-407E-A947-70E740481C1C}">
                 <a14:useLocalDpi xmlns:a14="http://schemas.microsoft.com/office/drawing/2010/main" val="0"/>
@@ -7558,7 +7696,7 @@
     </p:spTree>
     <p:extLst>
       <p:ext uri="{BB962C8B-B14F-4D97-AF65-F5344CB8AC3E}">
-        <p14:creationId xmlns:p14="http://schemas.microsoft.com/office/powerpoint/2010/main" val="3327967339"/>
+        <p14:creationId xmlns:p14="http://schemas.microsoft.com/office/powerpoint/2010/main" val="1106686534"/>
       </p:ext>
     </p:extLst>
   </p:cSld>
